--- a/Documentacion/CapaciExpress.pptx
+++ b/Documentacion/CapaciExpress.pptx
@@ -5,7 +5,7 @@
     <p:sldMasterId id="2147483657" r:id="rId1"/>
   </p:sldMasterIdLst>
   <p:notesMasterIdLst>
-    <p:notesMasterId r:id="rId9"/>
+    <p:notesMasterId r:id="rId10"/>
   </p:notesMasterIdLst>
   <p:sldIdLst>
     <p:sldId id="275" r:id="rId2"/>
@@ -14,7 +14,8 @@
     <p:sldId id="272" r:id="rId5"/>
     <p:sldId id="279" r:id="rId6"/>
     <p:sldId id="280" r:id="rId7"/>
-    <p:sldId id="278" r:id="rId8"/>
+    <p:sldId id="281" r:id="rId8"/>
+    <p:sldId id="278" r:id="rId9"/>
   </p:sldIdLst>
   <p:sldSz cx="9144000" cy="5143500" type="screen16x9"/>
   <p:notesSz cx="6858000" cy="9144000"/>
@@ -5757,7 +5758,7 @@
         </p:blipFill>
         <p:spPr>
           <a:xfrm>
-            <a:off x="5963093" y="2858358"/>
+            <a:off x="6777357" y="901738"/>
             <a:ext cx="1440901" cy="1440901"/>
           </a:xfrm>
           <a:prstGeom prst="rect">
@@ -5774,7 +5775,7 @@
         <p:spPr>
           <a:xfrm>
             <a:off x="1190625" y="1504950"/>
-            <a:ext cx="6334125" cy="2246769"/>
+            <a:ext cx="6334125" cy="2462213"/>
           </a:xfrm>
           <a:prstGeom prst="rect">
             <a:avLst/>
@@ -5894,12 +5895,8 @@
               <a:buNone/>
             </a:pPr>
             <a:r>
-              <a:rPr lang="en-US" dirty="0" err="1"/>
-              <a:t>Esta</a:t>
-            </a:r>
-            <a:r>
-              <a:rPr lang="en-US" dirty="0"/>
-              <a:t> app </a:t>
+              <a:rPr lang="en-US" dirty="0"/>
+              <a:t>Este Sistema </a:t>
             </a:r>
             <a:r>
               <a:rPr lang="en-US" dirty="0" err="1"/>
@@ -5919,10 +5916,10 @@
             </a:r>
             <a:r>
               <a:rPr lang="en-US" dirty="0" err="1"/>
-              <a:t>ayudará</a:t>
-            </a:r>
-            <a:r>
-              <a:rPr lang="en-US"/>
+              <a:t>trabajadores</a:t>
+            </a:r>
+            <a:r>
+              <a:rPr lang="en-US" dirty="0"/>
               <a:t> a </a:t>
             </a:r>
             <a:r>
@@ -6158,15 +6155,7 @@
             </a:r>
             <a:r>
               <a:rPr lang="en-US" dirty="0"/>
-              <a:t> de </a:t>
-            </a:r>
-            <a:r>
-              <a:rPr lang="en-US" dirty="0" err="1"/>
-              <a:t>una</a:t>
-            </a:r>
-            <a:r>
-              <a:rPr lang="en-US" dirty="0"/>
-              <a:t> </a:t>
+              <a:t> de un </a:t>
             </a:r>
             <a:r>
               <a:rPr lang="en-US" dirty="0" err="1"/>
@@ -6298,6 +6287,22 @@
             <a:r>
               <a:rPr lang="en-US" dirty="0" err="1"/>
               <a:t>matricula</a:t>
+            </a:r>
+            <a:r>
+              <a:rPr lang="en-US" dirty="0"/>
+              <a:t> y </a:t>
+            </a:r>
+            <a:r>
+              <a:rPr lang="en-US" dirty="0" err="1"/>
+              <a:t>una</a:t>
+            </a:r>
+            <a:r>
+              <a:rPr lang="en-US" dirty="0"/>
+              <a:t> </a:t>
+            </a:r>
+            <a:r>
+              <a:rPr lang="en-US" dirty="0" err="1"/>
+              <a:t>contraseña</a:t>
             </a:r>
             <a:r>
               <a:rPr lang="en-US" dirty="0"/>
@@ -8336,6 +8341,70 @@
           </a:p>
         </p:txBody>
       </p:sp>
+      <p:pic>
+        <p:nvPicPr>
+          <p:cNvPr id="5" name="Imagen 4">
+            <a:extLst>
+              <a:ext uri="{FF2B5EF4-FFF2-40B4-BE49-F238E27FC236}">
+                <a16:creationId xmlns:a16="http://schemas.microsoft.com/office/drawing/2014/main" id="{9908A073-7D6F-4C9E-9065-33994CBAD224}"/>
+              </a:ext>
+            </a:extLst>
+          </p:cNvPr>
+          <p:cNvPicPr>
+            <a:picLocks noChangeAspect="1"/>
+          </p:cNvPicPr>
+          <p:nvPr/>
+        </p:nvPicPr>
+        <p:blipFill rotWithShape="1">
+          <a:blip r:embed="rId2"/>
+          <a:srcRect l="-1" t="21598" r="398"/>
+          <a:stretch/>
+        </p:blipFill>
+        <p:spPr>
+          <a:xfrm>
+            <a:off x="1034049" y="626302"/>
+            <a:ext cx="7001752" cy="4032568"/>
+          </a:xfrm>
+          <a:prstGeom prst="rect">
+            <a:avLst/>
+          </a:prstGeom>
+        </p:spPr>
+      </p:pic>
+      <p:sp>
+        <p:nvSpPr>
+          <p:cNvPr id="6" name="CuadroTexto 5">
+            <a:extLst>
+              <a:ext uri="{FF2B5EF4-FFF2-40B4-BE49-F238E27FC236}">
+                <a16:creationId xmlns:a16="http://schemas.microsoft.com/office/drawing/2014/main" id="{53C9A7DF-C058-4B2F-B523-0ABCAD42418E}"/>
+              </a:ext>
+            </a:extLst>
+          </p:cNvPr>
+          <p:cNvSpPr txBox="1"/>
+          <p:nvPr/>
+        </p:nvSpPr>
+        <p:spPr>
+          <a:xfrm>
+            <a:off x="2446875" y="103082"/>
+            <a:ext cx="4981051" cy="523220"/>
+          </a:xfrm>
+          <a:prstGeom prst="rect">
+            <a:avLst/>
+          </a:prstGeom>
+          <a:noFill/>
+        </p:spPr>
+        <p:txBody>
+          <a:bodyPr wrap="square" rtlCol="0">
+            <a:spAutoFit/>
+          </a:bodyPr>
+          <a:lstStyle/>
+          <a:p>
+            <a:r>
+              <a:rPr lang="es-MX" sz="2800" b="1" dirty="0"/>
+              <a:t>Bitácora de actividades</a:t>
+            </a:r>
+          </a:p>
+        </p:txBody>
+      </p:sp>
     </p:spTree>
     <p:extLst>
       <p:ext uri="{BB962C8B-B14F-4D97-AF65-F5344CB8AC3E}">
@@ -8368,7 +8437,13 @@
       </p:grpSpPr>
       <p:sp>
         <p:nvSpPr>
-          <p:cNvPr id="2" name="1 Título"/>
+          <p:cNvPr id="2" name="Título 1">
+            <a:extLst>
+              <a:ext uri="{FF2B5EF4-FFF2-40B4-BE49-F238E27FC236}">
+                <a16:creationId xmlns:a16="http://schemas.microsoft.com/office/drawing/2014/main" id="{30F751A4-001B-47D5-B20A-456A42B6743E}"/>
+              </a:ext>
+            </a:extLst>
+          </p:cNvPr>
           <p:cNvSpPr>
             <a:spLocks noGrp="1"/>
           </p:cNvSpPr>
@@ -8377,9 +8452,9 @@
           </p:nvPr>
         </p:nvSpPr>
         <p:spPr>
-          <a:xfrm rot="161729">
-            <a:off x="5837941" y="991286"/>
-            <a:ext cx="2127579" cy="2372249"/>
+          <a:xfrm>
+            <a:off x="947330" y="755615"/>
+            <a:ext cx="1903415" cy="2111143"/>
           </a:xfrm>
         </p:spPr>
         <p:txBody>
@@ -8388,1485 +8463,44 @@
           <a:p>
             <a:r>
               <a:rPr lang="es-MX" dirty="0"/>
-              <a:t>Calendario de actividades</a:t>
+              <a:t>Diagrama de casos de uso</a:t>
             </a:r>
           </a:p>
         </p:txBody>
       </p:sp>
-      <p:graphicFrame>
-        <p:nvGraphicFramePr>
-          <p:cNvPr id="3" name="2 Tabla"/>
-          <p:cNvGraphicFramePr>
-            <a:graphicFrameLocks noGrp="1"/>
-          </p:cNvGraphicFramePr>
-          <p:nvPr>
-            <p:extLst>
-              <p:ext uri="{D42A27DB-BD31-4B8C-83A1-F6EECF244321}">
-                <p14:modId xmlns:p14="http://schemas.microsoft.com/office/powerpoint/2010/main" val="3068225624"/>
-              </p:ext>
-            </p:extLst>
-          </p:nvPr>
-        </p:nvGraphicFramePr>
-        <p:xfrm>
-          <a:off x="933657" y="742948"/>
-          <a:ext cx="4066969" cy="3743326"/>
-        </p:xfrm>
-        <a:graphic>
-          <a:graphicData uri="http://schemas.openxmlformats.org/drawingml/2006/table">
-            <a:tbl>
-              <a:tblPr firstRow="1" firstCol="1" bandRow="1">
-                <a:tableStyleId>{AEDFC945-A3FC-4EC1-A3BF-A0FA79CC217E}</a:tableStyleId>
-              </a:tblPr>
-              <a:tblGrid>
-                <a:gridCol w="1355349">
-                  <a:extLst>
-                    <a:ext uri="{9D8B030D-6E8A-4147-A177-3AD203B41FA5}">
-                      <a16:colId xmlns:a16="http://schemas.microsoft.com/office/drawing/2014/main" val="20000"/>
-                    </a:ext>
-                  </a:extLst>
-                </a:gridCol>
-                <a:gridCol w="1355810">
-                  <a:extLst>
-                    <a:ext uri="{9D8B030D-6E8A-4147-A177-3AD203B41FA5}">
-                      <a16:colId xmlns:a16="http://schemas.microsoft.com/office/drawing/2014/main" val="20001"/>
-                    </a:ext>
-                  </a:extLst>
-                </a:gridCol>
-                <a:gridCol w="1355810">
-                  <a:extLst>
-                    <a:ext uri="{9D8B030D-6E8A-4147-A177-3AD203B41FA5}">
-                      <a16:colId xmlns:a16="http://schemas.microsoft.com/office/drawing/2014/main" val="20002"/>
-                    </a:ext>
-                  </a:extLst>
-                </a:gridCol>
-              </a:tblGrid>
-              <a:tr h="116979">
-                <a:tc>
-                  <a:txBody>
-                    <a:bodyPr/>
-                    <a:lstStyle/>
-                    <a:p>
-                      <a:pPr>
-                        <a:lnSpc>
-                          <a:spcPct val="107000"/>
-                        </a:lnSpc>
-                        <a:spcAft>
-                          <a:spcPts val="0"/>
-                        </a:spcAft>
-                      </a:pPr>
-                      <a:r>
-                        <a:rPr lang="es-MX" sz="600" b="1" dirty="0">
-                          <a:effectLst/>
-                        </a:rPr>
-                        <a:t>Fecha</a:t>
-                      </a:r>
-                      <a:endParaRPr lang="es-MX" sz="600" b="1" dirty="0">
-                        <a:effectLst/>
-                        <a:latin typeface="Calibri"/>
-                        <a:ea typeface="Calibri"/>
-                        <a:cs typeface="Times New Roman"/>
-                      </a:endParaRPr>
-                    </a:p>
-                  </a:txBody>
-                  <a:tcPr marL="36177" marR="36177" marT="0" marB="0"/>
-                </a:tc>
-                <a:tc>
-                  <a:txBody>
-                    <a:bodyPr/>
-                    <a:lstStyle/>
-                    <a:p>
-                      <a:pPr>
-                        <a:lnSpc>
-                          <a:spcPct val="107000"/>
-                        </a:lnSpc>
-                        <a:spcAft>
-                          <a:spcPts val="0"/>
-                        </a:spcAft>
-                      </a:pPr>
-                      <a:r>
-                        <a:rPr lang="es-MX" sz="600" b="1">
-                          <a:effectLst/>
-                        </a:rPr>
-                        <a:t>producto</a:t>
-                      </a:r>
-                      <a:endParaRPr lang="es-MX" sz="600" b="1">
-                        <a:effectLst/>
-                        <a:latin typeface="Calibri"/>
-                        <a:ea typeface="Calibri"/>
-                        <a:cs typeface="Times New Roman"/>
-                      </a:endParaRPr>
-                    </a:p>
-                  </a:txBody>
-                  <a:tcPr marL="36177" marR="36177" marT="0" marB="0"/>
-                </a:tc>
-                <a:tc>
-                  <a:txBody>
-                    <a:bodyPr/>
-                    <a:lstStyle/>
-                    <a:p>
-                      <a:pPr>
-                        <a:lnSpc>
-                          <a:spcPct val="107000"/>
-                        </a:lnSpc>
-                        <a:spcAft>
-                          <a:spcPts val="0"/>
-                        </a:spcAft>
-                      </a:pPr>
-                      <a:r>
-                        <a:rPr lang="es-MX" sz="600" b="1" dirty="0">
-                          <a:effectLst/>
-                        </a:rPr>
-                        <a:t>A cargo de:</a:t>
-                      </a:r>
-                      <a:endParaRPr lang="es-MX" sz="600" b="1" dirty="0">
-                        <a:effectLst/>
-                        <a:latin typeface="Calibri"/>
-                        <a:ea typeface="Calibri"/>
-                        <a:cs typeface="Times New Roman"/>
-                      </a:endParaRPr>
-                    </a:p>
-                  </a:txBody>
-                  <a:tcPr marL="36177" marR="36177" marT="0" marB="0"/>
-                </a:tc>
-                <a:extLst>
-                  <a:ext uri="{0D108BD9-81ED-4DB2-BD59-A6C34878D82A}">
-                    <a16:rowId xmlns:a16="http://schemas.microsoft.com/office/drawing/2014/main" val="10000"/>
-                  </a:ext>
-                </a:extLst>
-              </a:tr>
-              <a:tr h="233958">
-                <a:tc>
-                  <a:txBody>
-                    <a:bodyPr/>
-                    <a:lstStyle/>
-                    <a:p>
-                      <a:pPr>
-                        <a:lnSpc>
-                          <a:spcPct val="107000"/>
-                        </a:lnSpc>
-                        <a:spcAft>
-                          <a:spcPts val="0"/>
-                        </a:spcAft>
-                      </a:pPr>
-                      <a:r>
-                        <a:rPr lang="es-MX" sz="600" b="1">
-                          <a:effectLst/>
-                        </a:rPr>
-                        <a:t>12 de Febrero</a:t>
-                      </a:r>
-                      <a:endParaRPr lang="es-MX" sz="600" b="1">
-                        <a:effectLst/>
-                        <a:latin typeface="Calibri"/>
-                        <a:ea typeface="Calibri"/>
-                        <a:cs typeface="Times New Roman"/>
-                      </a:endParaRPr>
-                    </a:p>
-                  </a:txBody>
-                  <a:tcPr marL="36177" marR="36177" marT="0" marB="0"/>
-                </a:tc>
-                <a:tc>
-                  <a:txBody>
-                    <a:bodyPr/>
-                    <a:lstStyle/>
-                    <a:p>
-                      <a:pPr>
-                        <a:lnSpc>
-                          <a:spcPct val="107000"/>
-                        </a:lnSpc>
-                        <a:spcAft>
-                          <a:spcPts val="0"/>
-                        </a:spcAft>
-                      </a:pPr>
-                      <a:r>
-                        <a:rPr lang="es-MX" sz="600" b="1">
-                          <a:effectLst/>
-                        </a:rPr>
-                        <a:t>Buscar información del problema </a:t>
-                      </a:r>
-                      <a:endParaRPr lang="es-MX" sz="600" b="1">
-                        <a:effectLst/>
-                        <a:latin typeface="Calibri"/>
-                        <a:ea typeface="Calibri"/>
-                        <a:cs typeface="Times New Roman"/>
-                      </a:endParaRPr>
-                    </a:p>
-                  </a:txBody>
-                  <a:tcPr marL="36177" marR="36177" marT="0" marB="0"/>
-                </a:tc>
-                <a:tc>
-                  <a:txBody>
-                    <a:bodyPr/>
-                    <a:lstStyle/>
-                    <a:p>
-                      <a:pPr>
-                        <a:lnSpc>
-                          <a:spcPct val="107000"/>
-                        </a:lnSpc>
-                        <a:spcAft>
-                          <a:spcPts val="0"/>
-                        </a:spcAft>
-                      </a:pPr>
-                      <a:r>
-                        <a:rPr lang="es-MX" sz="600" b="1" dirty="0">
-                          <a:effectLst/>
-                        </a:rPr>
-                        <a:t>Karina</a:t>
-                      </a:r>
-                      <a:endParaRPr lang="es-MX" sz="600" b="1" dirty="0">
-                        <a:effectLst/>
-                        <a:latin typeface="Calibri"/>
-                        <a:ea typeface="Calibri"/>
-                        <a:cs typeface="Times New Roman"/>
-                      </a:endParaRPr>
-                    </a:p>
-                  </a:txBody>
-                  <a:tcPr marL="36177" marR="36177" marT="0" marB="0"/>
-                </a:tc>
-                <a:extLst>
-                  <a:ext uri="{0D108BD9-81ED-4DB2-BD59-A6C34878D82A}">
-                    <a16:rowId xmlns:a16="http://schemas.microsoft.com/office/drawing/2014/main" val="10001"/>
-                  </a:ext>
-                </a:extLst>
-              </a:tr>
-              <a:tr h="467915">
-                <a:tc>
-                  <a:txBody>
-                    <a:bodyPr/>
-                    <a:lstStyle/>
-                    <a:p>
-                      <a:pPr>
-                        <a:lnSpc>
-                          <a:spcPct val="107000"/>
-                        </a:lnSpc>
-                        <a:spcAft>
-                          <a:spcPts val="0"/>
-                        </a:spcAft>
-                      </a:pPr>
-                      <a:r>
-                        <a:rPr lang="es-MX" sz="600" b="1">
-                          <a:effectLst/>
-                        </a:rPr>
-                        <a:t>14 de Febrero</a:t>
-                      </a:r>
-                      <a:endParaRPr lang="es-MX" sz="600" b="1">
-                        <a:effectLst/>
-                        <a:latin typeface="Calibri"/>
-                        <a:ea typeface="Calibri"/>
-                        <a:cs typeface="Times New Roman"/>
-                      </a:endParaRPr>
-                    </a:p>
-                  </a:txBody>
-                  <a:tcPr marL="36177" marR="36177" marT="0" marB="0"/>
-                </a:tc>
-                <a:tc>
-                  <a:txBody>
-                    <a:bodyPr/>
-                    <a:lstStyle/>
-                    <a:p>
-                      <a:pPr>
-                        <a:lnSpc>
-                          <a:spcPct val="107000"/>
-                        </a:lnSpc>
-                        <a:spcAft>
-                          <a:spcPts val="0"/>
-                        </a:spcAft>
-                      </a:pPr>
-                      <a:r>
-                        <a:rPr lang="es-MX" sz="600" b="1">
-                          <a:effectLst/>
-                        </a:rPr>
-                        <a:t>Documento de los requerimientos funcionales y no funcionales</a:t>
-                      </a:r>
-                      <a:endParaRPr lang="es-MX" sz="600" b="1">
-                        <a:effectLst/>
-                        <a:latin typeface="Calibri"/>
-                        <a:ea typeface="Calibri"/>
-                        <a:cs typeface="Times New Roman"/>
-                      </a:endParaRPr>
-                    </a:p>
-                  </a:txBody>
-                  <a:tcPr marL="36177" marR="36177" marT="0" marB="0"/>
-                </a:tc>
-                <a:tc>
-                  <a:txBody>
-                    <a:bodyPr/>
-                    <a:lstStyle/>
-                    <a:p>
-                      <a:pPr>
-                        <a:lnSpc>
-                          <a:spcPct val="107000"/>
-                        </a:lnSpc>
-                        <a:spcAft>
-                          <a:spcPts val="0"/>
-                        </a:spcAft>
-                      </a:pPr>
-                      <a:r>
-                        <a:rPr lang="es-MX" sz="600" b="1" dirty="0">
-                          <a:effectLst/>
-                        </a:rPr>
-                        <a:t>Karina</a:t>
-                      </a:r>
-                      <a:endParaRPr lang="es-MX" sz="600" b="1" dirty="0">
-                        <a:effectLst/>
-                        <a:latin typeface="Calibri"/>
-                        <a:ea typeface="Calibri"/>
-                        <a:cs typeface="Times New Roman"/>
-                      </a:endParaRPr>
-                    </a:p>
-                  </a:txBody>
-                  <a:tcPr marL="36177" marR="36177" marT="0" marB="0"/>
-                </a:tc>
-                <a:extLst>
-                  <a:ext uri="{0D108BD9-81ED-4DB2-BD59-A6C34878D82A}">
-                    <a16:rowId xmlns:a16="http://schemas.microsoft.com/office/drawing/2014/main" val="10002"/>
-                  </a:ext>
-                </a:extLst>
-              </a:tr>
-              <a:tr h="467915">
-                <a:tc>
-                  <a:txBody>
-                    <a:bodyPr/>
-                    <a:lstStyle/>
-                    <a:p>
-                      <a:pPr>
-                        <a:lnSpc>
-                          <a:spcPct val="107000"/>
-                        </a:lnSpc>
-                        <a:spcAft>
-                          <a:spcPts val="0"/>
-                        </a:spcAft>
-                      </a:pPr>
-                      <a:r>
-                        <a:rPr lang="es-MX" sz="600" b="1">
-                          <a:effectLst/>
-                        </a:rPr>
-                        <a:t>19 de Febrero</a:t>
-                      </a:r>
-                      <a:endParaRPr lang="es-MX" sz="600" b="1">
-                        <a:effectLst/>
-                        <a:latin typeface="Calibri"/>
-                        <a:ea typeface="Calibri"/>
-                        <a:cs typeface="Times New Roman"/>
-                      </a:endParaRPr>
-                    </a:p>
-                  </a:txBody>
-                  <a:tcPr marL="36177" marR="36177" marT="0" marB="0"/>
-                </a:tc>
-                <a:tc>
-                  <a:txBody>
-                    <a:bodyPr/>
-                    <a:lstStyle/>
-                    <a:p>
-                      <a:pPr>
-                        <a:lnSpc>
-                          <a:spcPct val="107000"/>
-                        </a:lnSpc>
-                        <a:spcAft>
-                          <a:spcPts val="0"/>
-                        </a:spcAft>
-                      </a:pPr>
-                      <a:r>
-                        <a:rPr lang="es-MX" sz="600" b="1">
-                          <a:effectLst/>
-                        </a:rPr>
-                        <a:t>Documento de Escenarios de Uso y Diagrama de Casos de uso</a:t>
-                      </a:r>
-                      <a:endParaRPr lang="es-MX" sz="600" b="1">
-                        <a:effectLst/>
-                        <a:latin typeface="Calibri"/>
-                        <a:ea typeface="Calibri"/>
-                        <a:cs typeface="Times New Roman"/>
-                      </a:endParaRPr>
-                    </a:p>
-                  </a:txBody>
-                  <a:tcPr marL="36177" marR="36177" marT="0" marB="0"/>
-                </a:tc>
-                <a:tc>
-                  <a:txBody>
-                    <a:bodyPr/>
-                    <a:lstStyle/>
-                    <a:p>
-                      <a:pPr>
-                        <a:lnSpc>
-                          <a:spcPct val="107000"/>
-                        </a:lnSpc>
-                        <a:spcAft>
-                          <a:spcPts val="0"/>
-                        </a:spcAft>
-                      </a:pPr>
-                      <a:r>
-                        <a:rPr lang="es-MX" sz="600" b="1" dirty="0">
-                          <a:effectLst/>
-                        </a:rPr>
-                        <a:t>Jessica</a:t>
-                      </a:r>
-                      <a:endParaRPr lang="es-MX" sz="600" b="1" dirty="0">
-                        <a:effectLst/>
-                        <a:latin typeface="Calibri"/>
-                        <a:ea typeface="Calibri"/>
-                        <a:cs typeface="Times New Roman"/>
-                      </a:endParaRPr>
-                    </a:p>
-                  </a:txBody>
-                  <a:tcPr marL="36177" marR="36177" marT="0" marB="0"/>
-                </a:tc>
-                <a:extLst>
-                  <a:ext uri="{0D108BD9-81ED-4DB2-BD59-A6C34878D82A}">
-                    <a16:rowId xmlns:a16="http://schemas.microsoft.com/office/drawing/2014/main" val="10003"/>
-                  </a:ext>
-                </a:extLst>
-              </a:tr>
-              <a:tr h="350937">
-                <a:tc>
-                  <a:txBody>
-                    <a:bodyPr/>
-                    <a:lstStyle/>
-                    <a:p>
-                      <a:pPr>
-                        <a:lnSpc>
-                          <a:spcPct val="107000"/>
-                        </a:lnSpc>
-                        <a:spcAft>
-                          <a:spcPts val="0"/>
-                        </a:spcAft>
-                      </a:pPr>
-                      <a:r>
-                        <a:rPr lang="es-MX" sz="600" b="1">
-                          <a:effectLst/>
-                        </a:rPr>
-                        <a:t>21 de Febrero</a:t>
-                      </a:r>
-                      <a:endParaRPr lang="es-MX" sz="600" b="1">
-                        <a:effectLst/>
-                        <a:latin typeface="Calibri"/>
-                        <a:ea typeface="Calibri"/>
-                        <a:cs typeface="Times New Roman"/>
-                      </a:endParaRPr>
-                    </a:p>
-                  </a:txBody>
-                  <a:tcPr marL="36177" marR="36177" marT="0" marB="0"/>
-                </a:tc>
-                <a:tc>
-                  <a:txBody>
-                    <a:bodyPr/>
-                    <a:lstStyle/>
-                    <a:p>
-                      <a:pPr>
-                        <a:lnSpc>
-                          <a:spcPct val="107000"/>
-                        </a:lnSpc>
-                        <a:spcAft>
-                          <a:spcPts val="0"/>
-                        </a:spcAft>
-                      </a:pPr>
-                      <a:r>
-                        <a:rPr lang="es-MX" sz="600" b="1">
-                          <a:effectLst/>
-                        </a:rPr>
-                        <a:t>Documento de Calendario y bitácora de actividades</a:t>
-                      </a:r>
-                      <a:endParaRPr lang="es-MX" sz="600" b="1">
-                        <a:effectLst/>
-                        <a:latin typeface="Calibri"/>
-                        <a:ea typeface="Calibri"/>
-                        <a:cs typeface="Times New Roman"/>
-                      </a:endParaRPr>
-                    </a:p>
-                  </a:txBody>
-                  <a:tcPr marL="36177" marR="36177" marT="0" marB="0"/>
-                </a:tc>
-                <a:tc>
-                  <a:txBody>
-                    <a:bodyPr/>
-                    <a:lstStyle/>
-                    <a:p>
-                      <a:pPr>
-                        <a:lnSpc>
-                          <a:spcPct val="107000"/>
-                        </a:lnSpc>
-                        <a:spcAft>
-                          <a:spcPts val="0"/>
-                        </a:spcAft>
-                      </a:pPr>
-                      <a:r>
-                        <a:rPr lang="es-MX" sz="600" b="1" dirty="0" err="1">
-                          <a:effectLst/>
-                        </a:rPr>
-                        <a:t>Jesus</a:t>
-                      </a:r>
-                      <a:endParaRPr lang="es-MX" sz="600" b="1" dirty="0">
-                        <a:effectLst/>
-                        <a:latin typeface="Calibri"/>
-                        <a:ea typeface="Calibri"/>
-                        <a:cs typeface="Times New Roman"/>
-                      </a:endParaRPr>
-                    </a:p>
-                  </a:txBody>
-                  <a:tcPr marL="36177" marR="36177" marT="0" marB="0"/>
-                </a:tc>
-                <a:extLst>
-                  <a:ext uri="{0D108BD9-81ED-4DB2-BD59-A6C34878D82A}">
-                    <a16:rowId xmlns:a16="http://schemas.microsoft.com/office/drawing/2014/main" val="10004"/>
-                  </a:ext>
-                </a:extLst>
-              </a:tr>
-              <a:tr h="233958">
-                <a:tc>
-                  <a:txBody>
-                    <a:bodyPr/>
-                    <a:lstStyle/>
-                    <a:p>
-                      <a:pPr>
-                        <a:lnSpc>
-                          <a:spcPct val="107000"/>
-                        </a:lnSpc>
-                        <a:spcAft>
-                          <a:spcPts val="0"/>
-                        </a:spcAft>
-                      </a:pPr>
-                      <a:r>
-                        <a:rPr lang="es-MX" sz="600" b="1">
-                          <a:effectLst/>
-                        </a:rPr>
-                        <a:t>22 de Febrero </a:t>
-                      </a:r>
-                      <a:endParaRPr lang="es-MX" sz="600" b="1">
-                        <a:effectLst/>
-                        <a:latin typeface="Calibri"/>
-                        <a:ea typeface="Calibri"/>
-                        <a:cs typeface="Times New Roman"/>
-                      </a:endParaRPr>
-                    </a:p>
-                  </a:txBody>
-                  <a:tcPr marL="36177" marR="36177" marT="0" marB="0"/>
-                </a:tc>
-                <a:tc>
-                  <a:txBody>
-                    <a:bodyPr/>
-                    <a:lstStyle/>
-                    <a:p>
-                      <a:pPr>
-                        <a:lnSpc>
-                          <a:spcPct val="107000"/>
-                        </a:lnSpc>
-                        <a:spcAft>
-                          <a:spcPts val="0"/>
-                        </a:spcAft>
-                      </a:pPr>
-                      <a:r>
-                        <a:rPr lang="es-MX" sz="600" b="1">
-                          <a:effectLst/>
-                        </a:rPr>
-                        <a:t>Realización de presentación</a:t>
-                      </a:r>
-                      <a:endParaRPr lang="es-MX" sz="600" b="1">
-                        <a:effectLst/>
-                        <a:latin typeface="Calibri"/>
-                        <a:ea typeface="Calibri"/>
-                        <a:cs typeface="Times New Roman"/>
-                      </a:endParaRPr>
-                    </a:p>
-                  </a:txBody>
-                  <a:tcPr marL="36177" marR="36177" marT="0" marB="0"/>
-                </a:tc>
-                <a:tc>
-                  <a:txBody>
-                    <a:bodyPr/>
-                    <a:lstStyle/>
-                    <a:p>
-                      <a:pPr>
-                        <a:lnSpc>
-                          <a:spcPct val="107000"/>
-                        </a:lnSpc>
-                        <a:spcAft>
-                          <a:spcPts val="0"/>
-                        </a:spcAft>
-                      </a:pPr>
-                      <a:r>
-                        <a:rPr lang="es-MX" sz="600" b="1" dirty="0">
-                          <a:effectLst/>
-                        </a:rPr>
-                        <a:t>Jessica</a:t>
-                      </a:r>
-                      <a:endParaRPr lang="es-MX" sz="600" b="1" dirty="0">
-                        <a:effectLst/>
-                        <a:latin typeface="Calibri"/>
-                        <a:ea typeface="Calibri"/>
-                        <a:cs typeface="Times New Roman"/>
-                      </a:endParaRPr>
-                    </a:p>
-                  </a:txBody>
-                  <a:tcPr marL="36177" marR="36177" marT="0" marB="0"/>
-                </a:tc>
-                <a:extLst>
-                  <a:ext uri="{0D108BD9-81ED-4DB2-BD59-A6C34878D82A}">
-                    <a16:rowId xmlns:a16="http://schemas.microsoft.com/office/drawing/2014/main" val="10005"/>
-                  </a:ext>
-                </a:extLst>
-              </a:tr>
-              <a:tr h="233958">
-                <a:tc>
-                  <a:txBody>
-                    <a:bodyPr/>
-                    <a:lstStyle/>
-                    <a:p>
-                      <a:pPr>
-                        <a:lnSpc>
-                          <a:spcPct val="107000"/>
-                        </a:lnSpc>
-                        <a:spcAft>
-                          <a:spcPts val="0"/>
-                        </a:spcAft>
-                      </a:pPr>
-                      <a:r>
-                        <a:rPr lang="es-MX" sz="600" b="1">
-                          <a:effectLst/>
-                        </a:rPr>
-                        <a:t>27 de Febrero</a:t>
-                      </a:r>
-                      <a:endParaRPr lang="es-MX" sz="600" b="1">
-                        <a:effectLst/>
-                        <a:latin typeface="Calibri"/>
-                        <a:ea typeface="Calibri"/>
-                        <a:cs typeface="Times New Roman"/>
-                      </a:endParaRPr>
-                    </a:p>
-                  </a:txBody>
-                  <a:tcPr marL="36177" marR="36177" marT="0" marB="0"/>
-                </a:tc>
-                <a:tc>
-                  <a:txBody>
-                    <a:bodyPr/>
-                    <a:lstStyle/>
-                    <a:p>
-                      <a:pPr>
-                        <a:lnSpc>
-                          <a:spcPct val="107000"/>
-                        </a:lnSpc>
-                        <a:spcAft>
-                          <a:spcPts val="0"/>
-                        </a:spcAft>
-                      </a:pPr>
-                      <a:r>
-                        <a:rPr lang="es-MX" sz="600" b="1">
-                          <a:effectLst/>
-                        </a:rPr>
-                        <a:t>Complementar requerimientos</a:t>
-                      </a:r>
-                      <a:endParaRPr lang="es-MX" sz="600" b="1">
-                        <a:effectLst/>
-                        <a:latin typeface="Calibri"/>
-                        <a:ea typeface="Calibri"/>
-                        <a:cs typeface="Times New Roman"/>
-                      </a:endParaRPr>
-                    </a:p>
-                  </a:txBody>
-                  <a:tcPr marL="36177" marR="36177" marT="0" marB="0"/>
-                </a:tc>
-                <a:tc>
-                  <a:txBody>
-                    <a:bodyPr/>
-                    <a:lstStyle/>
-                    <a:p>
-                      <a:pPr>
-                        <a:lnSpc>
-                          <a:spcPct val="107000"/>
-                        </a:lnSpc>
-                        <a:spcAft>
-                          <a:spcPts val="0"/>
-                        </a:spcAft>
-                      </a:pPr>
-                      <a:r>
-                        <a:rPr lang="es-MX" sz="600" b="1" dirty="0">
-                          <a:effectLst/>
-                        </a:rPr>
-                        <a:t>Karina </a:t>
-                      </a:r>
-                      <a:endParaRPr lang="es-MX" sz="600" b="1" dirty="0">
-                        <a:effectLst/>
-                        <a:latin typeface="Calibri"/>
-                        <a:ea typeface="Calibri"/>
-                        <a:cs typeface="Times New Roman"/>
-                      </a:endParaRPr>
-                    </a:p>
-                  </a:txBody>
-                  <a:tcPr marL="36177" marR="36177" marT="0" marB="0"/>
-                </a:tc>
-                <a:extLst>
-                  <a:ext uri="{0D108BD9-81ED-4DB2-BD59-A6C34878D82A}">
-                    <a16:rowId xmlns:a16="http://schemas.microsoft.com/office/drawing/2014/main" val="10006"/>
-                  </a:ext>
-                </a:extLst>
-              </a:tr>
-              <a:tr h="233958">
-                <a:tc>
-                  <a:txBody>
-                    <a:bodyPr/>
-                    <a:lstStyle/>
-                    <a:p>
-                      <a:pPr>
-                        <a:lnSpc>
-                          <a:spcPct val="107000"/>
-                        </a:lnSpc>
-                        <a:spcAft>
-                          <a:spcPts val="0"/>
-                        </a:spcAft>
-                      </a:pPr>
-                      <a:r>
-                        <a:rPr lang="es-MX" sz="600" b="1">
-                          <a:effectLst/>
-                        </a:rPr>
-                        <a:t>28 de Febrero</a:t>
-                      </a:r>
-                      <a:endParaRPr lang="es-MX" sz="600" b="1">
-                        <a:effectLst/>
-                        <a:latin typeface="Calibri"/>
-                        <a:ea typeface="Calibri"/>
-                        <a:cs typeface="Times New Roman"/>
-                      </a:endParaRPr>
-                    </a:p>
-                  </a:txBody>
-                  <a:tcPr marL="36177" marR="36177" marT="0" marB="0"/>
-                </a:tc>
-                <a:tc>
-                  <a:txBody>
-                    <a:bodyPr/>
-                    <a:lstStyle/>
-                    <a:p>
-                      <a:pPr>
-                        <a:lnSpc>
-                          <a:spcPct val="107000"/>
-                        </a:lnSpc>
-                        <a:spcAft>
-                          <a:spcPts val="0"/>
-                        </a:spcAft>
-                      </a:pPr>
-                      <a:r>
-                        <a:rPr lang="es-MX" sz="600" b="1">
-                          <a:effectLst/>
-                        </a:rPr>
-                        <a:t>Actualizar documentos y presentación</a:t>
-                      </a:r>
-                      <a:endParaRPr lang="es-MX" sz="600" b="1">
-                        <a:effectLst/>
-                        <a:latin typeface="Calibri"/>
-                        <a:ea typeface="Calibri"/>
-                        <a:cs typeface="Times New Roman"/>
-                      </a:endParaRPr>
-                    </a:p>
-                  </a:txBody>
-                  <a:tcPr marL="36177" marR="36177" marT="0" marB="0"/>
-                </a:tc>
-                <a:tc>
-                  <a:txBody>
-                    <a:bodyPr/>
-                    <a:lstStyle/>
-                    <a:p>
-                      <a:pPr>
-                        <a:lnSpc>
-                          <a:spcPct val="107000"/>
-                        </a:lnSpc>
-                        <a:spcAft>
-                          <a:spcPts val="0"/>
-                        </a:spcAft>
-                      </a:pPr>
-                      <a:r>
-                        <a:rPr lang="es-MX" sz="600" b="1" dirty="0">
-                          <a:effectLst/>
-                        </a:rPr>
-                        <a:t>Los tres integrantes</a:t>
-                      </a:r>
-                      <a:endParaRPr lang="es-MX" sz="600" b="1" dirty="0">
-                        <a:effectLst/>
-                        <a:latin typeface="Calibri"/>
-                        <a:ea typeface="Calibri"/>
-                        <a:cs typeface="Times New Roman"/>
-                      </a:endParaRPr>
-                    </a:p>
-                  </a:txBody>
-                  <a:tcPr marL="36177" marR="36177" marT="0" marB="0"/>
-                </a:tc>
-                <a:extLst>
-                  <a:ext uri="{0D108BD9-81ED-4DB2-BD59-A6C34878D82A}">
-                    <a16:rowId xmlns:a16="http://schemas.microsoft.com/office/drawing/2014/main" val="10007"/>
-                  </a:ext>
-                </a:extLst>
-              </a:tr>
-              <a:tr h="233958">
-                <a:tc>
-                  <a:txBody>
-                    <a:bodyPr/>
-                    <a:lstStyle/>
-                    <a:p>
-                      <a:pPr>
-                        <a:lnSpc>
-                          <a:spcPct val="107000"/>
-                        </a:lnSpc>
-                        <a:spcAft>
-                          <a:spcPts val="0"/>
-                        </a:spcAft>
-                      </a:pPr>
-                      <a:r>
-                        <a:rPr lang="es-MX" sz="600" b="1">
-                          <a:effectLst/>
-                        </a:rPr>
-                        <a:t>6 de Marzo</a:t>
-                      </a:r>
-                      <a:endParaRPr lang="es-MX" sz="600" b="1">
-                        <a:effectLst/>
-                        <a:latin typeface="Calibri"/>
-                        <a:ea typeface="Calibri"/>
-                        <a:cs typeface="Times New Roman"/>
-                      </a:endParaRPr>
-                    </a:p>
-                  </a:txBody>
-                  <a:tcPr marL="36177" marR="36177" marT="0" marB="0"/>
-                </a:tc>
-                <a:tc>
-                  <a:txBody>
-                    <a:bodyPr/>
-                    <a:lstStyle/>
-                    <a:p>
-                      <a:pPr>
-                        <a:lnSpc>
-                          <a:spcPct val="107000"/>
-                        </a:lnSpc>
-                        <a:spcAft>
-                          <a:spcPts val="0"/>
-                        </a:spcAft>
-                      </a:pPr>
-                      <a:r>
-                        <a:rPr lang="es-MX" sz="600" b="1">
-                          <a:effectLst/>
-                        </a:rPr>
-                        <a:t>Dividir las tareas de codificación del bot </a:t>
-                      </a:r>
-                      <a:endParaRPr lang="es-MX" sz="600" b="1">
-                        <a:effectLst/>
-                        <a:latin typeface="Calibri"/>
-                        <a:ea typeface="Calibri"/>
-                        <a:cs typeface="Times New Roman"/>
-                      </a:endParaRPr>
-                    </a:p>
-                  </a:txBody>
-                  <a:tcPr marL="36177" marR="36177" marT="0" marB="0"/>
-                </a:tc>
-                <a:tc>
-                  <a:txBody>
-                    <a:bodyPr/>
-                    <a:lstStyle/>
-                    <a:p>
-                      <a:pPr>
-                        <a:lnSpc>
-                          <a:spcPct val="107000"/>
-                        </a:lnSpc>
-                        <a:spcAft>
-                          <a:spcPts val="0"/>
-                        </a:spcAft>
-                      </a:pPr>
-                      <a:r>
-                        <a:rPr lang="es-MX" sz="600" b="1" dirty="0">
-                          <a:effectLst/>
-                        </a:rPr>
-                        <a:t>Jessica</a:t>
-                      </a:r>
-                      <a:endParaRPr lang="es-MX" sz="600" b="1" dirty="0">
-                        <a:effectLst/>
-                        <a:latin typeface="Calibri"/>
-                        <a:ea typeface="Calibri"/>
-                        <a:cs typeface="Times New Roman"/>
-                      </a:endParaRPr>
-                    </a:p>
-                  </a:txBody>
-                  <a:tcPr marL="36177" marR="36177" marT="0" marB="0"/>
-                </a:tc>
-                <a:extLst>
-                  <a:ext uri="{0D108BD9-81ED-4DB2-BD59-A6C34878D82A}">
-                    <a16:rowId xmlns:a16="http://schemas.microsoft.com/office/drawing/2014/main" val="10008"/>
-                  </a:ext>
-                </a:extLst>
-              </a:tr>
-              <a:tr h="233958">
-                <a:tc>
-                  <a:txBody>
-                    <a:bodyPr/>
-                    <a:lstStyle/>
-                    <a:p>
-                      <a:pPr>
-                        <a:lnSpc>
-                          <a:spcPct val="107000"/>
-                        </a:lnSpc>
-                        <a:spcAft>
-                          <a:spcPts val="0"/>
-                        </a:spcAft>
-                      </a:pPr>
-                      <a:r>
-                        <a:rPr lang="es-MX" sz="600" b="1">
-                          <a:effectLst/>
-                        </a:rPr>
-                        <a:t>13 de Abril </a:t>
-                      </a:r>
-                      <a:endParaRPr lang="es-MX" sz="600" b="1">
-                        <a:effectLst/>
-                        <a:latin typeface="Calibri"/>
-                        <a:ea typeface="Calibri"/>
-                        <a:cs typeface="Times New Roman"/>
-                      </a:endParaRPr>
-                    </a:p>
-                  </a:txBody>
-                  <a:tcPr marL="36177" marR="36177" marT="0" marB="0"/>
-                </a:tc>
-                <a:tc>
-                  <a:txBody>
-                    <a:bodyPr/>
-                    <a:lstStyle/>
-                    <a:p>
-                      <a:pPr>
-                        <a:lnSpc>
-                          <a:spcPct val="107000"/>
-                        </a:lnSpc>
-                        <a:spcAft>
-                          <a:spcPts val="0"/>
-                        </a:spcAft>
-                      </a:pPr>
-                      <a:r>
-                        <a:rPr lang="es-MX" sz="600" b="1">
-                          <a:effectLst/>
-                        </a:rPr>
-                        <a:t>Revisión de estado de avances</a:t>
-                      </a:r>
-                      <a:endParaRPr lang="es-MX" sz="600" b="1">
-                        <a:effectLst/>
-                        <a:latin typeface="Calibri"/>
-                        <a:ea typeface="Calibri"/>
-                        <a:cs typeface="Times New Roman"/>
-                      </a:endParaRPr>
-                    </a:p>
-                  </a:txBody>
-                  <a:tcPr marL="36177" marR="36177" marT="0" marB="0"/>
-                </a:tc>
-                <a:tc>
-                  <a:txBody>
-                    <a:bodyPr/>
-                    <a:lstStyle/>
-                    <a:p>
-                      <a:pPr>
-                        <a:lnSpc>
-                          <a:spcPct val="107000"/>
-                        </a:lnSpc>
-                        <a:spcAft>
-                          <a:spcPts val="0"/>
-                        </a:spcAft>
-                      </a:pPr>
-                      <a:r>
-                        <a:rPr lang="es-MX" sz="600" b="1" dirty="0">
-                          <a:effectLst/>
-                        </a:rPr>
-                        <a:t>Karina</a:t>
-                      </a:r>
-                      <a:endParaRPr lang="es-MX" sz="600" b="1" dirty="0">
-                        <a:effectLst/>
-                        <a:latin typeface="Calibri"/>
-                        <a:ea typeface="Calibri"/>
-                        <a:cs typeface="Times New Roman"/>
-                      </a:endParaRPr>
-                    </a:p>
-                  </a:txBody>
-                  <a:tcPr marL="36177" marR="36177" marT="0" marB="0"/>
-                </a:tc>
-                <a:extLst>
-                  <a:ext uri="{0D108BD9-81ED-4DB2-BD59-A6C34878D82A}">
-                    <a16:rowId xmlns:a16="http://schemas.microsoft.com/office/drawing/2014/main" val="10009"/>
-                  </a:ext>
-                </a:extLst>
-              </a:tr>
-              <a:tr h="233958">
-                <a:tc>
-                  <a:txBody>
-                    <a:bodyPr/>
-                    <a:lstStyle/>
-                    <a:p>
-                      <a:pPr>
-                        <a:lnSpc>
-                          <a:spcPct val="107000"/>
-                        </a:lnSpc>
-                        <a:spcAft>
-                          <a:spcPts val="0"/>
-                        </a:spcAft>
-                        <a:tabLst>
-                          <a:tab pos="1252855" algn="l"/>
-                        </a:tabLst>
-                      </a:pPr>
-                      <a:r>
-                        <a:rPr lang="es-MX" sz="600" b="1">
-                          <a:effectLst/>
-                        </a:rPr>
-                        <a:t>20 de Abril</a:t>
-                      </a:r>
-                      <a:endParaRPr lang="es-MX" sz="600" b="1">
-                        <a:effectLst/>
-                        <a:latin typeface="Calibri"/>
-                        <a:ea typeface="Calibri"/>
-                        <a:cs typeface="Times New Roman"/>
-                      </a:endParaRPr>
-                    </a:p>
-                  </a:txBody>
-                  <a:tcPr marL="36177" marR="36177" marT="0" marB="0"/>
-                </a:tc>
-                <a:tc>
-                  <a:txBody>
-                    <a:bodyPr/>
-                    <a:lstStyle/>
-                    <a:p>
-                      <a:pPr>
-                        <a:lnSpc>
-                          <a:spcPct val="107000"/>
-                        </a:lnSpc>
-                        <a:spcAft>
-                          <a:spcPts val="0"/>
-                        </a:spcAft>
-                      </a:pPr>
-                      <a:r>
-                        <a:rPr lang="es-MX" sz="600" b="1">
-                          <a:effectLst/>
-                        </a:rPr>
-                        <a:t>Revisión de estado de avances</a:t>
-                      </a:r>
-                      <a:endParaRPr lang="es-MX" sz="600" b="1">
-                        <a:effectLst/>
-                        <a:latin typeface="Calibri"/>
-                        <a:ea typeface="Calibri"/>
-                        <a:cs typeface="Times New Roman"/>
-                      </a:endParaRPr>
-                    </a:p>
-                  </a:txBody>
-                  <a:tcPr marL="36177" marR="36177" marT="0" marB="0"/>
-                </a:tc>
-                <a:tc>
-                  <a:txBody>
-                    <a:bodyPr/>
-                    <a:lstStyle/>
-                    <a:p>
-                      <a:pPr>
-                        <a:lnSpc>
-                          <a:spcPct val="107000"/>
-                        </a:lnSpc>
-                        <a:spcAft>
-                          <a:spcPts val="0"/>
-                        </a:spcAft>
-                      </a:pPr>
-                      <a:r>
-                        <a:rPr lang="es-MX" sz="600" b="1" dirty="0">
-                          <a:effectLst/>
-                        </a:rPr>
-                        <a:t>Jessica</a:t>
-                      </a:r>
-                      <a:endParaRPr lang="es-MX" sz="600" b="1" dirty="0">
-                        <a:effectLst/>
-                        <a:latin typeface="Calibri"/>
-                        <a:ea typeface="Calibri"/>
-                        <a:cs typeface="Times New Roman"/>
-                      </a:endParaRPr>
-                    </a:p>
-                  </a:txBody>
-                  <a:tcPr marL="36177" marR="36177" marT="0" marB="0"/>
-                </a:tc>
-                <a:extLst>
-                  <a:ext uri="{0D108BD9-81ED-4DB2-BD59-A6C34878D82A}">
-                    <a16:rowId xmlns:a16="http://schemas.microsoft.com/office/drawing/2014/main" val="10010"/>
-                  </a:ext>
-                </a:extLst>
-              </a:tr>
-              <a:tr h="233958">
-                <a:tc>
-                  <a:txBody>
-                    <a:bodyPr/>
-                    <a:lstStyle/>
-                    <a:p>
-                      <a:pPr>
-                        <a:lnSpc>
-                          <a:spcPct val="107000"/>
-                        </a:lnSpc>
-                        <a:spcAft>
-                          <a:spcPts val="0"/>
-                        </a:spcAft>
-                      </a:pPr>
-                      <a:r>
-                        <a:rPr lang="es-MX" sz="600" b="1" dirty="0">
-                          <a:effectLst/>
-                        </a:rPr>
-                        <a:t>30 de Abril</a:t>
-                      </a:r>
-                      <a:endParaRPr lang="es-MX" sz="600" b="1" dirty="0">
-                        <a:effectLst/>
-                        <a:latin typeface="Calibri"/>
-                        <a:ea typeface="Calibri"/>
-                        <a:cs typeface="Times New Roman"/>
-                      </a:endParaRPr>
-                    </a:p>
-                  </a:txBody>
-                  <a:tcPr marL="36177" marR="36177" marT="0" marB="0"/>
-                </a:tc>
-                <a:tc>
-                  <a:txBody>
-                    <a:bodyPr/>
-                    <a:lstStyle/>
-                    <a:p>
-                      <a:pPr>
-                        <a:lnSpc>
-                          <a:spcPct val="107000"/>
-                        </a:lnSpc>
-                        <a:spcAft>
-                          <a:spcPts val="0"/>
-                        </a:spcAft>
-                      </a:pPr>
-                      <a:r>
-                        <a:rPr lang="es-MX" sz="600" b="1">
-                          <a:effectLst/>
-                        </a:rPr>
-                        <a:t>Fecha de entrega parcial del proyecto</a:t>
-                      </a:r>
-                      <a:endParaRPr lang="es-MX" sz="600" b="1">
-                        <a:effectLst/>
-                        <a:latin typeface="Calibri"/>
-                        <a:ea typeface="Calibri"/>
-                        <a:cs typeface="Times New Roman"/>
-                      </a:endParaRPr>
-                    </a:p>
-                  </a:txBody>
-                  <a:tcPr marL="36177" marR="36177" marT="0" marB="0"/>
-                </a:tc>
-                <a:tc>
-                  <a:txBody>
-                    <a:bodyPr/>
-                    <a:lstStyle/>
-                    <a:p>
-                      <a:pPr>
-                        <a:lnSpc>
-                          <a:spcPct val="107000"/>
-                        </a:lnSpc>
-                        <a:spcAft>
-                          <a:spcPts val="0"/>
-                        </a:spcAft>
-                      </a:pPr>
-                      <a:r>
-                        <a:rPr lang="es-MX" sz="600" b="1" dirty="0">
-                          <a:effectLst/>
-                        </a:rPr>
-                        <a:t>Los tres integrantes</a:t>
-                      </a:r>
-                      <a:endParaRPr lang="es-MX" sz="600" b="1" dirty="0">
-                        <a:effectLst/>
-                        <a:latin typeface="Calibri"/>
-                        <a:ea typeface="Calibri"/>
-                        <a:cs typeface="Times New Roman"/>
-                      </a:endParaRPr>
-                    </a:p>
-                  </a:txBody>
-                  <a:tcPr marL="36177" marR="36177" marT="0" marB="0"/>
-                </a:tc>
-                <a:extLst>
-                  <a:ext uri="{0D108BD9-81ED-4DB2-BD59-A6C34878D82A}">
-                    <a16:rowId xmlns:a16="http://schemas.microsoft.com/office/drawing/2014/main" val="10011"/>
-                  </a:ext>
-                </a:extLst>
-              </a:tr>
-              <a:tr h="116979">
-                <a:tc>
-                  <a:txBody>
-                    <a:bodyPr/>
-                    <a:lstStyle/>
-                    <a:p>
-                      <a:pPr>
-                        <a:lnSpc>
-                          <a:spcPct val="107000"/>
-                        </a:lnSpc>
-                        <a:spcAft>
-                          <a:spcPts val="0"/>
-                        </a:spcAft>
-                      </a:pPr>
-                      <a:r>
-                        <a:rPr lang="es-MX" sz="600" b="1">
-                          <a:effectLst/>
-                        </a:rPr>
-                        <a:t>2 de Mayo </a:t>
-                      </a:r>
-                      <a:endParaRPr lang="es-MX" sz="600" b="1">
-                        <a:effectLst/>
-                        <a:latin typeface="Calibri"/>
-                        <a:ea typeface="Calibri"/>
-                        <a:cs typeface="Times New Roman"/>
-                      </a:endParaRPr>
-                    </a:p>
-                  </a:txBody>
-                  <a:tcPr marL="36177" marR="36177" marT="0" marB="0"/>
-                </a:tc>
-                <a:tc>
-                  <a:txBody>
-                    <a:bodyPr/>
-                    <a:lstStyle/>
-                    <a:p>
-                      <a:pPr>
-                        <a:lnSpc>
-                          <a:spcPct val="107000"/>
-                        </a:lnSpc>
-                        <a:spcAft>
-                          <a:spcPts val="0"/>
-                        </a:spcAft>
-                      </a:pPr>
-                      <a:r>
-                        <a:rPr lang="es-MX" sz="600" b="1">
-                          <a:effectLst/>
-                        </a:rPr>
-                        <a:t>Alimentar base de datos </a:t>
-                      </a:r>
-                      <a:endParaRPr lang="es-MX" sz="600" b="1">
-                        <a:effectLst/>
-                        <a:latin typeface="Calibri"/>
-                        <a:ea typeface="Calibri"/>
-                        <a:cs typeface="Times New Roman"/>
-                      </a:endParaRPr>
-                    </a:p>
-                  </a:txBody>
-                  <a:tcPr marL="36177" marR="36177" marT="0" marB="0"/>
-                </a:tc>
-                <a:tc>
-                  <a:txBody>
-                    <a:bodyPr/>
-                    <a:lstStyle/>
-                    <a:p>
-                      <a:pPr>
-                        <a:lnSpc>
-                          <a:spcPct val="107000"/>
-                        </a:lnSpc>
-                        <a:spcAft>
-                          <a:spcPts val="0"/>
-                        </a:spcAft>
-                      </a:pPr>
-                      <a:r>
-                        <a:rPr lang="es-MX" sz="600" b="1" dirty="0">
-                          <a:effectLst/>
-                        </a:rPr>
-                        <a:t>Karina, </a:t>
-                      </a:r>
-                      <a:r>
-                        <a:rPr lang="es-MX" sz="600" b="1" dirty="0" err="1">
-                          <a:effectLst/>
-                        </a:rPr>
-                        <a:t>Jesus</a:t>
-                      </a:r>
-                      <a:endParaRPr lang="es-MX" sz="600" b="1" dirty="0">
-                        <a:effectLst/>
-                        <a:latin typeface="Calibri"/>
-                        <a:ea typeface="Calibri"/>
-                        <a:cs typeface="Times New Roman"/>
-                      </a:endParaRPr>
-                    </a:p>
-                  </a:txBody>
-                  <a:tcPr marL="36177" marR="36177" marT="0" marB="0"/>
-                </a:tc>
-                <a:extLst>
-                  <a:ext uri="{0D108BD9-81ED-4DB2-BD59-A6C34878D82A}">
-                    <a16:rowId xmlns:a16="http://schemas.microsoft.com/office/drawing/2014/main" val="10012"/>
-                  </a:ext>
-                </a:extLst>
-              </a:tr>
-              <a:tr h="116979">
-                <a:tc>
-                  <a:txBody>
-                    <a:bodyPr/>
-                    <a:lstStyle/>
-                    <a:p>
-                      <a:pPr>
-                        <a:lnSpc>
-                          <a:spcPct val="107000"/>
-                        </a:lnSpc>
-                        <a:spcAft>
-                          <a:spcPts val="0"/>
-                        </a:spcAft>
-                      </a:pPr>
-                      <a:r>
-                        <a:rPr lang="es-MX" sz="600" b="1">
-                          <a:effectLst/>
-                        </a:rPr>
-                        <a:t>8 de Mayo </a:t>
-                      </a:r>
-                      <a:endParaRPr lang="es-MX" sz="600" b="1">
-                        <a:effectLst/>
-                        <a:latin typeface="Calibri"/>
-                        <a:ea typeface="Calibri"/>
-                        <a:cs typeface="Times New Roman"/>
-                      </a:endParaRPr>
-                    </a:p>
-                  </a:txBody>
-                  <a:tcPr marL="36177" marR="36177" marT="0" marB="0"/>
-                </a:tc>
-                <a:tc>
-                  <a:txBody>
-                    <a:bodyPr/>
-                    <a:lstStyle/>
-                    <a:p>
-                      <a:pPr>
-                        <a:lnSpc>
-                          <a:spcPct val="107000"/>
-                        </a:lnSpc>
-                        <a:spcAft>
-                          <a:spcPts val="0"/>
-                        </a:spcAft>
-                      </a:pPr>
-                      <a:r>
-                        <a:rPr lang="es-MX" sz="600" b="1">
-                          <a:effectLst/>
-                        </a:rPr>
-                        <a:t>Agregar el mini Quiz</a:t>
-                      </a:r>
-                      <a:endParaRPr lang="es-MX" sz="600" b="1">
-                        <a:effectLst/>
-                        <a:latin typeface="Calibri"/>
-                        <a:ea typeface="Calibri"/>
-                        <a:cs typeface="Times New Roman"/>
-                      </a:endParaRPr>
-                    </a:p>
-                  </a:txBody>
-                  <a:tcPr marL="36177" marR="36177" marT="0" marB="0"/>
-                </a:tc>
-                <a:tc>
-                  <a:txBody>
-                    <a:bodyPr/>
-                    <a:lstStyle/>
-                    <a:p>
-                      <a:pPr>
-                        <a:lnSpc>
-                          <a:spcPct val="107000"/>
-                        </a:lnSpc>
-                        <a:spcAft>
-                          <a:spcPts val="0"/>
-                        </a:spcAft>
-                      </a:pPr>
-                      <a:r>
-                        <a:rPr lang="es-MX" sz="600" b="1" dirty="0" err="1">
-                          <a:effectLst/>
-                        </a:rPr>
-                        <a:t>karina</a:t>
-                      </a:r>
-                      <a:endParaRPr lang="es-MX" sz="600" b="1" dirty="0">
-                        <a:effectLst/>
-                        <a:latin typeface="Calibri"/>
-                        <a:ea typeface="Calibri"/>
-                        <a:cs typeface="Times New Roman"/>
-                      </a:endParaRPr>
-                    </a:p>
-                  </a:txBody>
-                  <a:tcPr marL="36177" marR="36177" marT="0" marB="0"/>
-                </a:tc>
-                <a:extLst>
-                  <a:ext uri="{0D108BD9-81ED-4DB2-BD59-A6C34878D82A}">
-                    <a16:rowId xmlns:a16="http://schemas.microsoft.com/office/drawing/2014/main" val="10013"/>
-                  </a:ext>
-                </a:extLst>
-              </a:tr>
-              <a:tr h="233958">
-                <a:tc>
-                  <a:txBody>
-                    <a:bodyPr/>
-                    <a:lstStyle/>
-                    <a:p>
-                      <a:pPr>
-                        <a:lnSpc>
-                          <a:spcPct val="107000"/>
-                        </a:lnSpc>
-                        <a:spcAft>
-                          <a:spcPts val="0"/>
-                        </a:spcAft>
-                      </a:pPr>
-                      <a:r>
-                        <a:rPr lang="es-MX" sz="600" b="1">
-                          <a:effectLst/>
-                        </a:rPr>
-                        <a:t>21 de Mayo</a:t>
-                      </a:r>
-                      <a:endParaRPr lang="es-MX" sz="600" b="1">
-                        <a:effectLst/>
-                        <a:latin typeface="Calibri"/>
-                        <a:ea typeface="Calibri"/>
-                        <a:cs typeface="Times New Roman"/>
-                      </a:endParaRPr>
-                    </a:p>
-                  </a:txBody>
-                  <a:tcPr marL="36177" marR="36177" marT="0" marB="0"/>
-                </a:tc>
-                <a:tc>
-                  <a:txBody>
-                    <a:bodyPr/>
-                    <a:lstStyle/>
-                    <a:p>
-                      <a:pPr>
-                        <a:lnSpc>
-                          <a:spcPct val="107000"/>
-                        </a:lnSpc>
-                        <a:spcAft>
-                          <a:spcPts val="0"/>
-                        </a:spcAft>
-                      </a:pPr>
-                      <a:r>
-                        <a:rPr lang="es-MX" sz="600" b="1">
-                          <a:effectLst/>
-                        </a:rPr>
-                        <a:t>Fecha de entrega final del proyecto </a:t>
-                      </a:r>
-                      <a:endParaRPr lang="es-MX" sz="600" b="1">
-                        <a:effectLst/>
-                        <a:latin typeface="Calibri"/>
-                        <a:ea typeface="Calibri"/>
-                        <a:cs typeface="Times New Roman"/>
-                      </a:endParaRPr>
-                    </a:p>
-                  </a:txBody>
-                  <a:tcPr marL="36177" marR="36177" marT="0" marB="0"/>
-                </a:tc>
-                <a:tc>
-                  <a:txBody>
-                    <a:bodyPr/>
-                    <a:lstStyle/>
-                    <a:p>
-                      <a:pPr>
-                        <a:lnSpc>
-                          <a:spcPct val="107000"/>
-                        </a:lnSpc>
-                        <a:spcAft>
-                          <a:spcPts val="0"/>
-                        </a:spcAft>
-                      </a:pPr>
-                      <a:r>
-                        <a:rPr lang="es-MX" sz="600" b="1" dirty="0">
-                          <a:effectLst/>
-                        </a:rPr>
-                        <a:t>Los tres integrantes</a:t>
-                      </a:r>
-                      <a:endParaRPr lang="es-MX" sz="600" b="1" dirty="0">
-                        <a:effectLst/>
-                        <a:latin typeface="Calibri"/>
-                        <a:ea typeface="Calibri"/>
-                        <a:cs typeface="Times New Roman"/>
-                      </a:endParaRPr>
-                    </a:p>
-                  </a:txBody>
-                  <a:tcPr marL="36177" marR="36177" marT="0" marB="0"/>
-                </a:tc>
-                <a:extLst>
-                  <a:ext uri="{0D108BD9-81ED-4DB2-BD59-A6C34878D82A}">
-                    <a16:rowId xmlns:a16="http://schemas.microsoft.com/office/drawing/2014/main" val="10014"/>
-                  </a:ext>
-                </a:extLst>
-              </a:tr>
-            </a:tbl>
-          </a:graphicData>
-        </a:graphic>
-      </p:graphicFrame>
+      <p:pic>
+        <p:nvPicPr>
+          <p:cNvPr id="3" name="Imagen 2">
+            <a:extLst>
+              <a:ext uri="{FF2B5EF4-FFF2-40B4-BE49-F238E27FC236}">
+                <a16:creationId xmlns:a16="http://schemas.microsoft.com/office/drawing/2014/main" id="{C5F4D6E5-FA0A-4E74-8351-AAB53D45562D}"/>
+              </a:ext>
+            </a:extLst>
+          </p:cNvPr>
+          <p:cNvPicPr>
+            <a:picLocks noChangeAspect="1"/>
+          </p:cNvPicPr>
+          <p:nvPr/>
+        </p:nvPicPr>
+        <p:blipFill rotWithShape="1">
+          <a:blip r:embed="rId2"/>
+          <a:srcRect l="31183" t="20057" r="31828" b="9562"/>
+          <a:stretch/>
+        </p:blipFill>
+        <p:spPr>
+          <a:xfrm>
+            <a:off x="3114684" y="184751"/>
+            <a:ext cx="4367664" cy="4672384"/>
+          </a:xfrm>
+          <a:prstGeom prst="rect">
+            <a:avLst/>
+          </a:prstGeom>
+        </p:spPr>
+      </p:pic>
     </p:spTree>
     <p:extLst>
       <p:ext uri="{BB962C8B-B14F-4D97-AF65-F5344CB8AC3E}">
-        <p14:creationId xmlns:p14="http://schemas.microsoft.com/office/powerpoint/2010/main" val="2942488721"/>
+        <p14:creationId xmlns:p14="http://schemas.microsoft.com/office/powerpoint/2010/main" val="1106795920"/>
       </p:ext>
     </p:extLst>
   </p:cSld>
@@ -9877,6 +8511,98 @@
 </file>
 
 <file path=ppt/slides/slide7.xml><?xml version="1.0" encoding="utf-8"?>
+<p:sld xmlns:a="http://schemas.openxmlformats.org/drawingml/2006/main" xmlns:r="http://schemas.openxmlformats.org/officeDocument/2006/relationships" xmlns:p="http://schemas.openxmlformats.org/presentationml/2006/main">
+  <p:cSld>
+    <p:spTree>
+      <p:nvGrpSpPr>
+        <p:cNvPr id="1" name=""/>
+        <p:cNvGrpSpPr/>
+        <p:nvPr/>
+      </p:nvGrpSpPr>
+      <p:grpSpPr>
+        <a:xfrm>
+          <a:off x="0" y="0"/>
+          <a:ext cx="0" cy="0"/>
+          <a:chOff x="0" y="0"/>
+          <a:chExt cx="0" cy="0"/>
+        </a:xfrm>
+      </p:grpSpPr>
+      <p:sp>
+        <p:nvSpPr>
+          <p:cNvPr id="2" name="Título 1">
+            <a:extLst>
+              <a:ext uri="{FF2B5EF4-FFF2-40B4-BE49-F238E27FC236}">
+                <a16:creationId xmlns:a16="http://schemas.microsoft.com/office/drawing/2014/main" id="{CC2759FC-61C9-4CB6-AE85-A17EC7A259D7}"/>
+              </a:ext>
+            </a:extLst>
+          </p:cNvPr>
+          <p:cNvSpPr>
+            <a:spLocks noGrp="1"/>
+          </p:cNvSpPr>
+          <p:nvPr>
+            <p:ph type="title"/>
+          </p:nvPr>
+        </p:nvSpPr>
+        <p:spPr>
+          <a:xfrm>
+            <a:off x="948334" y="768828"/>
+            <a:ext cx="2463987" cy="2055223"/>
+          </a:xfrm>
+        </p:spPr>
+        <p:txBody>
+          <a:bodyPr/>
+          <a:lstStyle/>
+          <a:p>
+            <a:r>
+              <a:rPr lang="es-MX" dirty="0"/>
+              <a:t>Diagrama de clases</a:t>
+            </a:r>
+          </a:p>
+        </p:txBody>
+      </p:sp>
+      <p:pic>
+        <p:nvPicPr>
+          <p:cNvPr id="3" name="Imagen 2">
+            <a:extLst>
+              <a:ext uri="{FF2B5EF4-FFF2-40B4-BE49-F238E27FC236}">
+                <a16:creationId xmlns:a16="http://schemas.microsoft.com/office/drawing/2014/main" id="{57F91DAE-DFB9-4FC9-9BA6-C5134E6FC247}"/>
+              </a:ext>
+            </a:extLst>
+          </p:cNvPr>
+          <p:cNvPicPr>
+            <a:picLocks noChangeAspect="1"/>
+          </p:cNvPicPr>
+          <p:nvPr/>
+        </p:nvPicPr>
+        <p:blipFill rotWithShape="1">
+          <a:blip r:embed="rId2"/>
+          <a:srcRect l="35807" t="26559" r="30860" b="21420"/>
+          <a:stretch/>
+        </p:blipFill>
+        <p:spPr>
+          <a:xfrm>
+            <a:off x="3805083" y="875070"/>
+            <a:ext cx="3991897" cy="3502569"/>
+          </a:xfrm>
+          <a:prstGeom prst="rect">
+            <a:avLst/>
+          </a:prstGeom>
+        </p:spPr>
+      </p:pic>
+    </p:spTree>
+    <p:extLst>
+      <p:ext uri="{BB962C8B-B14F-4D97-AF65-F5344CB8AC3E}">
+        <p14:creationId xmlns:p14="http://schemas.microsoft.com/office/powerpoint/2010/main" val="1708867599"/>
+      </p:ext>
+    </p:extLst>
+  </p:cSld>
+  <p:clrMapOvr>
+    <a:masterClrMapping/>
+  </p:clrMapOvr>
+</p:sld>
+</file>
+
+<file path=ppt/slides/slide8.xml><?xml version="1.0" encoding="utf-8"?>
 <p:sld xmlns:a="http://schemas.openxmlformats.org/drawingml/2006/main" xmlns:r="http://schemas.openxmlformats.org/officeDocument/2006/relationships" xmlns:p="http://schemas.openxmlformats.org/presentationml/2006/main">
   <p:cSld>
     <p:spTree>

--- a/Documentacion/CapaciExpress.pptx
+++ b/Documentacion/CapaciExpress.pptx
@@ -265,10 +265,6 @@
     </p:ext>
   </p:extLst>
 </p:presentation>
-</file>
-
-<file path=ppt/revisionInfo.xml><?xml version="1.0" encoding="utf-8"?>
-<p1510:revInfo xmlns:a="http://schemas.openxmlformats.org/drawingml/2006/main" xmlns:r="http://schemas.openxmlformats.org/officeDocument/2006/relationships" xmlns:p1510="http://schemas.microsoft.com/office/powerpoint/2015/10/main"/>
 </file>
 
 <file path=ppt/notesMasters/notesMaster1.xml><?xml version="1.0" encoding="utf-8"?>
@@ -6936,1442 +6932,6 @@
       </p:grpSpPr>
       <p:sp>
         <p:nvSpPr>
-          <p:cNvPr id="2" name="1 Título"/>
-          <p:cNvSpPr>
-            <a:spLocks noGrp="1"/>
-          </p:cNvSpPr>
-          <p:nvPr>
-            <p:ph type="title"/>
-          </p:nvPr>
-        </p:nvSpPr>
-        <p:spPr>
-          <a:xfrm rot="161729">
-            <a:off x="949967" y="695831"/>
-            <a:ext cx="2993816" cy="1568266"/>
-          </a:xfrm>
-        </p:spPr>
-        <p:txBody>
-          <a:bodyPr/>
-          <a:lstStyle/>
-          <a:p>
-            <a:r>
-              <a:rPr lang="es-MX" dirty="0"/>
-              <a:t>Bitácora de actividades.</a:t>
-            </a:r>
-          </a:p>
-        </p:txBody>
-      </p:sp>
-      <p:graphicFrame>
-        <p:nvGraphicFramePr>
-          <p:cNvPr id="3" name="2 Tabla"/>
-          <p:cNvGraphicFramePr>
-            <a:graphicFrameLocks noGrp="1"/>
-          </p:cNvGraphicFramePr>
-          <p:nvPr>
-            <p:extLst>
-              <p:ext uri="{D42A27DB-BD31-4B8C-83A1-F6EECF244321}">
-                <p14:modId xmlns:p14="http://schemas.microsoft.com/office/powerpoint/2010/main" val="269890819"/>
-              </p:ext>
-            </p:extLst>
-          </p:nvPr>
-        </p:nvGraphicFramePr>
-        <p:xfrm>
-          <a:off x="4152900" y="876300"/>
-          <a:ext cx="3882901" cy="3887788"/>
-        </p:xfrm>
-        <a:graphic>
-          <a:graphicData uri="http://schemas.openxmlformats.org/drawingml/2006/table">
-            <a:tbl>
-              <a:tblPr firstRow="1" firstCol="1" bandRow="1">
-                <a:tableStyleId>{AEDFC945-A3FC-4EC1-A3BF-A0FA79CC217E}</a:tableStyleId>
-              </a:tblPr>
-              <a:tblGrid>
-                <a:gridCol w="975124">
-                  <a:extLst>
-                    <a:ext uri="{9D8B030D-6E8A-4147-A177-3AD203B41FA5}">
-                      <a16:colId xmlns:a16="http://schemas.microsoft.com/office/drawing/2014/main" val="20000"/>
-                    </a:ext>
-                  </a:extLst>
-                </a:gridCol>
-                <a:gridCol w="1069689">
-                  <a:extLst>
-                    <a:ext uri="{9D8B030D-6E8A-4147-A177-3AD203B41FA5}">
-                      <a16:colId xmlns:a16="http://schemas.microsoft.com/office/drawing/2014/main" val="20001"/>
-                    </a:ext>
-                  </a:extLst>
-                </a:gridCol>
-                <a:gridCol w="825138">
-                  <a:extLst>
-                    <a:ext uri="{9D8B030D-6E8A-4147-A177-3AD203B41FA5}">
-                      <a16:colId xmlns:a16="http://schemas.microsoft.com/office/drawing/2014/main" val="20002"/>
-                    </a:ext>
-                  </a:extLst>
-                </a:gridCol>
-                <a:gridCol w="1012950">
-                  <a:extLst>
-                    <a:ext uri="{9D8B030D-6E8A-4147-A177-3AD203B41FA5}">
-                      <a16:colId xmlns:a16="http://schemas.microsoft.com/office/drawing/2014/main" val="20003"/>
-                    </a:ext>
-                  </a:extLst>
-                </a:gridCol>
-              </a:tblGrid>
-              <a:tr h="138849">
-                <a:tc>
-                  <a:txBody>
-                    <a:bodyPr/>
-                    <a:lstStyle/>
-                    <a:p>
-                      <a:pPr>
-                        <a:lnSpc>
-                          <a:spcPct val="107000"/>
-                        </a:lnSpc>
-                        <a:spcAft>
-                          <a:spcPts val="0"/>
-                        </a:spcAft>
-                      </a:pPr>
-                      <a:r>
-                        <a:rPr lang="es-MX" sz="700" b="1">
-                          <a:effectLst/>
-                        </a:rPr>
-                        <a:t>fecha</a:t>
-                      </a:r>
-                      <a:endParaRPr lang="es-MX" sz="700" b="1">
-                        <a:effectLst/>
-                        <a:latin typeface="Calibri"/>
-                        <a:ea typeface="Calibri"/>
-                        <a:cs typeface="Times New Roman"/>
-                      </a:endParaRPr>
-                    </a:p>
-                  </a:txBody>
-                  <a:tcPr marL="41345" marR="41345" marT="0" marB="0"/>
-                </a:tc>
-                <a:tc>
-                  <a:txBody>
-                    <a:bodyPr/>
-                    <a:lstStyle/>
-                    <a:p>
-                      <a:pPr>
-                        <a:lnSpc>
-                          <a:spcPct val="107000"/>
-                        </a:lnSpc>
-                        <a:spcAft>
-                          <a:spcPts val="0"/>
-                        </a:spcAft>
-                      </a:pPr>
-                      <a:r>
-                        <a:rPr lang="es-MX" sz="700" b="1">
-                          <a:effectLst/>
-                        </a:rPr>
-                        <a:t>Actividad realizada</a:t>
-                      </a:r>
-                      <a:endParaRPr lang="es-MX" sz="700" b="1">
-                        <a:effectLst/>
-                        <a:latin typeface="Calibri"/>
-                        <a:ea typeface="Calibri"/>
-                        <a:cs typeface="Times New Roman"/>
-                      </a:endParaRPr>
-                    </a:p>
-                  </a:txBody>
-                  <a:tcPr marL="41345" marR="41345" marT="0" marB="0"/>
-                </a:tc>
-                <a:tc>
-                  <a:txBody>
-                    <a:bodyPr/>
-                    <a:lstStyle/>
-                    <a:p>
-                      <a:pPr>
-                        <a:lnSpc>
-                          <a:spcPct val="107000"/>
-                        </a:lnSpc>
-                        <a:spcAft>
-                          <a:spcPts val="0"/>
-                        </a:spcAft>
-                      </a:pPr>
-                      <a:r>
-                        <a:rPr lang="es-MX" sz="700" b="1">
-                          <a:effectLst/>
-                        </a:rPr>
-                        <a:t>lugar</a:t>
-                      </a:r>
-                      <a:endParaRPr lang="es-MX" sz="700" b="1">
-                        <a:effectLst/>
-                        <a:latin typeface="Calibri"/>
-                        <a:ea typeface="Calibri"/>
-                        <a:cs typeface="Times New Roman"/>
-                      </a:endParaRPr>
-                    </a:p>
-                  </a:txBody>
-                  <a:tcPr marL="41345" marR="41345" marT="0" marB="0"/>
-                </a:tc>
-                <a:tc>
-                  <a:txBody>
-                    <a:bodyPr/>
-                    <a:lstStyle/>
-                    <a:p>
-                      <a:pPr>
-                        <a:lnSpc>
-                          <a:spcPct val="107000"/>
-                        </a:lnSpc>
-                        <a:spcAft>
-                          <a:spcPts val="0"/>
-                        </a:spcAft>
-                      </a:pPr>
-                      <a:r>
-                        <a:rPr lang="es-MX" sz="700" b="1" dirty="0">
-                          <a:effectLst/>
-                        </a:rPr>
-                        <a:t>participaron</a:t>
-                      </a:r>
-                      <a:endParaRPr lang="es-MX" sz="700" b="1" dirty="0">
-                        <a:effectLst/>
-                        <a:latin typeface="Calibri"/>
-                        <a:ea typeface="Calibri"/>
-                        <a:cs typeface="Times New Roman"/>
-                      </a:endParaRPr>
-                    </a:p>
-                  </a:txBody>
-                  <a:tcPr marL="41345" marR="41345" marT="0" marB="0"/>
-                </a:tc>
-                <a:extLst>
-                  <a:ext uri="{0D108BD9-81ED-4DB2-BD59-A6C34878D82A}">
-                    <a16:rowId xmlns:a16="http://schemas.microsoft.com/office/drawing/2014/main" val="10000"/>
-                  </a:ext>
-                </a:extLst>
-              </a:tr>
-              <a:tr h="555398">
-                <a:tc>
-                  <a:txBody>
-                    <a:bodyPr/>
-                    <a:lstStyle/>
-                    <a:p>
-                      <a:pPr>
-                        <a:lnSpc>
-                          <a:spcPct val="107000"/>
-                        </a:lnSpc>
-                        <a:spcAft>
-                          <a:spcPts val="0"/>
-                        </a:spcAft>
-                      </a:pPr>
-                      <a:r>
-                        <a:rPr lang="es-MX" sz="700" b="1">
-                          <a:effectLst/>
-                        </a:rPr>
-                        <a:t>Viernes 9 de febrero de 2018</a:t>
-                      </a:r>
-                      <a:endParaRPr lang="es-MX" sz="700" b="1">
-                        <a:effectLst/>
-                        <a:latin typeface="Calibri"/>
-                        <a:ea typeface="Calibri"/>
-                        <a:cs typeface="Times New Roman"/>
-                      </a:endParaRPr>
-                    </a:p>
-                  </a:txBody>
-                  <a:tcPr marL="41345" marR="41345" marT="0" marB="0"/>
-                </a:tc>
-                <a:tc>
-                  <a:txBody>
-                    <a:bodyPr/>
-                    <a:lstStyle/>
-                    <a:p>
-                      <a:pPr>
-                        <a:lnSpc>
-                          <a:spcPct val="107000"/>
-                        </a:lnSpc>
-                        <a:spcAft>
-                          <a:spcPts val="0"/>
-                        </a:spcAft>
-                      </a:pPr>
-                      <a:r>
-                        <a:rPr lang="es-MX" sz="700" b="1">
-                          <a:effectLst/>
-                        </a:rPr>
-                        <a:t>Aprobación del proyecto a desarrollar por el maestro</a:t>
-                      </a:r>
-                      <a:endParaRPr lang="es-MX" sz="700" b="1">
-                        <a:effectLst/>
-                        <a:latin typeface="Calibri"/>
-                        <a:ea typeface="Calibri"/>
-                        <a:cs typeface="Times New Roman"/>
-                      </a:endParaRPr>
-                    </a:p>
-                  </a:txBody>
-                  <a:tcPr marL="41345" marR="41345" marT="0" marB="0"/>
-                </a:tc>
-                <a:tc>
-                  <a:txBody>
-                    <a:bodyPr/>
-                    <a:lstStyle/>
-                    <a:p>
-                      <a:pPr>
-                        <a:lnSpc>
-                          <a:spcPct val="107000"/>
-                        </a:lnSpc>
-                        <a:spcAft>
-                          <a:spcPts val="0"/>
-                        </a:spcAft>
-                      </a:pPr>
-                      <a:r>
-                        <a:rPr lang="es-MX" sz="700" b="1">
-                          <a:effectLst/>
-                        </a:rPr>
-                        <a:t>Cubículo del profesor</a:t>
-                      </a:r>
-                      <a:endParaRPr lang="es-MX" sz="700" b="1">
-                        <a:effectLst/>
-                        <a:latin typeface="Calibri"/>
-                        <a:ea typeface="Calibri"/>
-                        <a:cs typeface="Times New Roman"/>
-                      </a:endParaRPr>
-                    </a:p>
-                  </a:txBody>
-                  <a:tcPr marL="41345" marR="41345" marT="0" marB="0"/>
-                </a:tc>
-                <a:tc>
-                  <a:txBody>
-                    <a:bodyPr/>
-                    <a:lstStyle/>
-                    <a:p>
-                      <a:pPr>
-                        <a:lnSpc>
-                          <a:spcPct val="107000"/>
-                        </a:lnSpc>
-                        <a:spcAft>
-                          <a:spcPts val="0"/>
-                        </a:spcAft>
-                      </a:pPr>
-                      <a:r>
-                        <a:rPr lang="es-MX" sz="700" b="1" dirty="0">
-                          <a:effectLst/>
-                        </a:rPr>
-                        <a:t>Todos los integrantes</a:t>
-                      </a:r>
-                      <a:endParaRPr lang="es-MX" sz="700" b="1" dirty="0">
-                        <a:effectLst/>
-                        <a:latin typeface="Calibri"/>
-                        <a:ea typeface="Calibri"/>
-                        <a:cs typeface="Times New Roman"/>
-                      </a:endParaRPr>
-                    </a:p>
-                  </a:txBody>
-                  <a:tcPr marL="41345" marR="41345" marT="0" marB="0"/>
-                </a:tc>
-                <a:extLst>
-                  <a:ext uri="{0D108BD9-81ED-4DB2-BD59-A6C34878D82A}">
-                    <a16:rowId xmlns:a16="http://schemas.microsoft.com/office/drawing/2014/main" val="10001"/>
-                  </a:ext>
-                </a:extLst>
-              </a:tr>
-              <a:tr h="555398">
-                <a:tc>
-                  <a:txBody>
-                    <a:bodyPr/>
-                    <a:lstStyle/>
-                    <a:p>
-                      <a:pPr>
-                        <a:lnSpc>
-                          <a:spcPct val="107000"/>
-                        </a:lnSpc>
-                        <a:spcAft>
-                          <a:spcPts val="0"/>
-                        </a:spcAft>
-                      </a:pPr>
-                      <a:r>
-                        <a:rPr lang="es-MX" sz="700" b="1" dirty="0">
-                          <a:effectLst/>
-                        </a:rPr>
-                        <a:t>Miércoles 14 de febrero de 2018</a:t>
-                      </a:r>
-                      <a:endParaRPr lang="es-MX" sz="700" b="1" dirty="0">
-                        <a:effectLst/>
-                        <a:latin typeface="Calibri"/>
-                        <a:ea typeface="Calibri"/>
-                        <a:cs typeface="Times New Roman"/>
-                      </a:endParaRPr>
-                    </a:p>
-                  </a:txBody>
-                  <a:tcPr marL="41345" marR="41345" marT="0" marB="0"/>
-                </a:tc>
-                <a:tc>
-                  <a:txBody>
-                    <a:bodyPr/>
-                    <a:lstStyle/>
-                    <a:p>
-                      <a:pPr>
-                        <a:lnSpc>
-                          <a:spcPct val="107000"/>
-                        </a:lnSpc>
-                        <a:spcAft>
-                          <a:spcPts val="0"/>
-                        </a:spcAft>
-                      </a:pPr>
-                      <a:r>
-                        <a:rPr lang="es-MX" sz="700" b="1">
-                          <a:effectLst/>
-                        </a:rPr>
-                        <a:t>Definición de los requerimientos funcionales y no funcionales</a:t>
-                      </a:r>
-                      <a:endParaRPr lang="es-MX" sz="700" b="1">
-                        <a:effectLst/>
-                        <a:latin typeface="Calibri"/>
-                        <a:ea typeface="Calibri"/>
-                        <a:cs typeface="Times New Roman"/>
-                      </a:endParaRPr>
-                    </a:p>
-                  </a:txBody>
-                  <a:tcPr marL="41345" marR="41345" marT="0" marB="0"/>
-                </a:tc>
-                <a:tc>
-                  <a:txBody>
-                    <a:bodyPr/>
-                    <a:lstStyle/>
-                    <a:p>
-                      <a:pPr>
-                        <a:lnSpc>
-                          <a:spcPct val="107000"/>
-                        </a:lnSpc>
-                        <a:spcAft>
-                          <a:spcPts val="0"/>
-                        </a:spcAft>
-                      </a:pPr>
-                      <a:r>
-                        <a:rPr lang="es-MX" sz="700" b="1">
-                          <a:effectLst/>
-                        </a:rPr>
-                        <a:t>Biblioteca del campus</a:t>
-                      </a:r>
-                      <a:endParaRPr lang="es-MX" sz="700" b="1">
-                        <a:effectLst/>
-                        <a:latin typeface="Calibri"/>
-                        <a:ea typeface="Calibri"/>
-                        <a:cs typeface="Times New Roman"/>
-                      </a:endParaRPr>
-                    </a:p>
-                  </a:txBody>
-                  <a:tcPr marL="41345" marR="41345" marT="0" marB="0"/>
-                </a:tc>
-                <a:tc>
-                  <a:txBody>
-                    <a:bodyPr/>
-                    <a:lstStyle/>
-                    <a:p>
-                      <a:pPr>
-                        <a:lnSpc>
-                          <a:spcPct val="107000"/>
-                        </a:lnSpc>
-                        <a:spcAft>
-                          <a:spcPts val="0"/>
-                        </a:spcAft>
-                      </a:pPr>
-                      <a:r>
-                        <a:rPr lang="es-MX" sz="700" b="1" dirty="0">
-                          <a:effectLst/>
-                        </a:rPr>
-                        <a:t>Todos los integrantes</a:t>
-                      </a:r>
-                      <a:endParaRPr lang="es-MX" sz="700" b="1" dirty="0">
-                        <a:effectLst/>
-                        <a:latin typeface="Calibri"/>
-                        <a:ea typeface="Calibri"/>
-                        <a:cs typeface="Times New Roman"/>
-                      </a:endParaRPr>
-                    </a:p>
-                  </a:txBody>
-                  <a:tcPr marL="41345" marR="41345" marT="0" marB="0"/>
-                </a:tc>
-                <a:extLst>
-                  <a:ext uri="{0D108BD9-81ED-4DB2-BD59-A6C34878D82A}">
-                    <a16:rowId xmlns:a16="http://schemas.microsoft.com/office/drawing/2014/main" val="10002"/>
-                  </a:ext>
-                </a:extLst>
-              </a:tr>
-              <a:tr h="416549">
-                <a:tc>
-                  <a:txBody>
-                    <a:bodyPr/>
-                    <a:lstStyle/>
-                    <a:p>
-                      <a:pPr>
-                        <a:lnSpc>
-                          <a:spcPct val="107000"/>
-                        </a:lnSpc>
-                        <a:spcAft>
-                          <a:spcPts val="0"/>
-                        </a:spcAft>
-                        <a:tabLst>
-                          <a:tab pos="1270635" algn="r"/>
-                        </a:tabLst>
-                      </a:pPr>
-                      <a:r>
-                        <a:rPr lang="es-MX" sz="700" b="1">
-                          <a:effectLst/>
-                        </a:rPr>
-                        <a:t>Lunes 19 de febrero de 2018</a:t>
-                      </a:r>
-                      <a:endParaRPr lang="es-MX" sz="700" b="1">
-                        <a:effectLst/>
-                        <a:latin typeface="Calibri"/>
-                        <a:ea typeface="Calibri"/>
-                        <a:cs typeface="Times New Roman"/>
-                      </a:endParaRPr>
-                    </a:p>
-                  </a:txBody>
-                  <a:tcPr marL="41345" marR="41345" marT="0" marB="0"/>
-                </a:tc>
-                <a:tc>
-                  <a:txBody>
-                    <a:bodyPr/>
-                    <a:lstStyle/>
-                    <a:p>
-                      <a:pPr>
-                        <a:lnSpc>
-                          <a:spcPct val="107000"/>
-                        </a:lnSpc>
-                        <a:spcAft>
-                          <a:spcPts val="0"/>
-                        </a:spcAft>
-                      </a:pPr>
-                      <a:r>
-                        <a:rPr lang="es-MX" sz="700" b="1">
-                          <a:effectLst/>
-                        </a:rPr>
-                        <a:t>Diagrama de casos de usos y escenarios de uso</a:t>
-                      </a:r>
-                      <a:endParaRPr lang="es-MX" sz="700" b="1">
-                        <a:effectLst/>
-                        <a:latin typeface="Calibri"/>
-                        <a:ea typeface="Calibri"/>
-                        <a:cs typeface="Times New Roman"/>
-                      </a:endParaRPr>
-                    </a:p>
-                  </a:txBody>
-                  <a:tcPr marL="41345" marR="41345" marT="0" marB="0"/>
-                </a:tc>
-                <a:tc>
-                  <a:txBody>
-                    <a:bodyPr/>
-                    <a:lstStyle/>
-                    <a:p>
-                      <a:pPr>
-                        <a:lnSpc>
-                          <a:spcPct val="107000"/>
-                        </a:lnSpc>
-                        <a:spcAft>
-                          <a:spcPts val="0"/>
-                        </a:spcAft>
-                      </a:pPr>
-                      <a:r>
-                        <a:rPr lang="es-MX" sz="700" b="1">
-                          <a:effectLst/>
-                        </a:rPr>
-                        <a:t>En línea</a:t>
-                      </a:r>
-                      <a:endParaRPr lang="es-MX" sz="700" b="1">
-                        <a:effectLst/>
-                        <a:latin typeface="Calibri"/>
-                        <a:ea typeface="Calibri"/>
-                        <a:cs typeface="Times New Roman"/>
-                      </a:endParaRPr>
-                    </a:p>
-                  </a:txBody>
-                  <a:tcPr marL="41345" marR="41345" marT="0" marB="0"/>
-                </a:tc>
-                <a:tc>
-                  <a:txBody>
-                    <a:bodyPr/>
-                    <a:lstStyle/>
-                    <a:p>
-                      <a:pPr>
-                        <a:lnSpc>
-                          <a:spcPct val="107000"/>
-                        </a:lnSpc>
-                        <a:spcAft>
-                          <a:spcPts val="0"/>
-                        </a:spcAft>
-                      </a:pPr>
-                      <a:r>
-                        <a:rPr lang="es-MX" sz="700" b="1" dirty="0">
-                          <a:effectLst/>
-                        </a:rPr>
-                        <a:t>Todos los integrantes</a:t>
-                      </a:r>
-                      <a:endParaRPr lang="es-MX" sz="700" b="1" dirty="0">
-                        <a:effectLst/>
-                        <a:latin typeface="Calibri"/>
-                        <a:ea typeface="Calibri"/>
-                        <a:cs typeface="Times New Roman"/>
-                      </a:endParaRPr>
-                    </a:p>
-                  </a:txBody>
-                  <a:tcPr marL="41345" marR="41345" marT="0" marB="0"/>
-                </a:tc>
-                <a:extLst>
-                  <a:ext uri="{0D108BD9-81ED-4DB2-BD59-A6C34878D82A}">
-                    <a16:rowId xmlns:a16="http://schemas.microsoft.com/office/drawing/2014/main" val="10003"/>
-                  </a:ext>
-                </a:extLst>
-              </a:tr>
-              <a:tr h="277700">
-                <a:tc>
-                  <a:txBody>
-                    <a:bodyPr/>
-                    <a:lstStyle/>
-                    <a:p>
-                      <a:pPr>
-                        <a:lnSpc>
-                          <a:spcPct val="107000"/>
-                        </a:lnSpc>
-                        <a:spcAft>
-                          <a:spcPts val="0"/>
-                        </a:spcAft>
-                      </a:pPr>
-                      <a:r>
-                        <a:rPr lang="es-MX" sz="700" b="1">
-                          <a:effectLst/>
-                        </a:rPr>
-                        <a:t>Viernes 23 de febrero de 2018</a:t>
-                      </a:r>
-                      <a:endParaRPr lang="es-MX" sz="700" b="1">
-                        <a:effectLst/>
-                        <a:latin typeface="Calibri"/>
-                        <a:ea typeface="Calibri"/>
-                        <a:cs typeface="Times New Roman"/>
-                      </a:endParaRPr>
-                    </a:p>
-                  </a:txBody>
-                  <a:tcPr marL="41345" marR="41345" marT="0" marB="0"/>
-                </a:tc>
-                <a:tc>
-                  <a:txBody>
-                    <a:bodyPr/>
-                    <a:lstStyle/>
-                    <a:p>
-                      <a:pPr>
-                        <a:lnSpc>
-                          <a:spcPct val="107000"/>
-                        </a:lnSpc>
-                        <a:spcAft>
-                          <a:spcPts val="0"/>
-                        </a:spcAft>
-                      </a:pPr>
-                      <a:r>
-                        <a:rPr lang="es-MX" sz="700" b="1">
-                          <a:effectLst/>
-                        </a:rPr>
-                        <a:t>Primera entrega del proyecto</a:t>
-                      </a:r>
-                      <a:endParaRPr lang="es-MX" sz="700" b="1">
-                        <a:effectLst/>
-                        <a:latin typeface="Calibri"/>
-                        <a:ea typeface="Calibri"/>
-                        <a:cs typeface="Times New Roman"/>
-                      </a:endParaRPr>
-                    </a:p>
-                  </a:txBody>
-                  <a:tcPr marL="41345" marR="41345" marT="0" marB="0"/>
-                </a:tc>
-                <a:tc>
-                  <a:txBody>
-                    <a:bodyPr/>
-                    <a:lstStyle/>
-                    <a:p>
-                      <a:pPr>
-                        <a:lnSpc>
-                          <a:spcPct val="107000"/>
-                        </a:lnSpc>
-                        <a:spcAft>
-                          <a:spcPts val="0"/>
-                        </a:spcAft>
-                      </a:pPr>
-                      <a:r>
-                        <a:rPr lang="es-MX" sz="700" b="1">
-                          <a:effectLst/>
-                        </a:rPr>
-                        <a:t>Salón de clases</a:t>
-                      </a:r>
-                      <a:endParaRPr lang="es-MX" sz="700" b="1">
-                        <a:effectLst/>
-                        <a:latin typeface="Calibri"/>
-                        <a:ea typeface="Calibri"/>
-                        <a:cs typeface="Times New Roman"/>
-                      </a:endParaRPr>
-                    </a:p>
-                  </a:txBody>
-                  <a:tcPr marL="41345" marR="41345" marT="0" marB="0"/>
-                </a:tc>
-                <a:tc>
-                  <a:txBody>
-                    <a:bodyPr/>
-                    <a:lstStyle/>
-                    <a:p>
-                      <a:pPr>
-                        <a:lnSpc>
-                          <a:spcPct val="107000"/>
-                        </a:lnSpc>
-                        <a:spcAft>
-                          <a:spcPts val="0"/>
-                        </a:spcAft>
-                      </a:pPr>
-                      <a:r>
-                        <a:rPr lang="es-MX" sz="700" b="1" dirty="0">
-                          <a:effectLst/>
-                        </a:rPr>
-                        <a:t>Todos los integrantes</a:t>
-                      </a:r>
-                      <a:endParaRPr lang="es-MX" sz="700" b="1" dirty="0">
-                        <a:effectLst/>
-                        <a:latin typeface="Calibri"/>
-                        <a:ea typeface="Calibri"/>
-                        <a:cs typeface="Times New Roman"/>
-                      </a:endParaRPr>
-                    </a:p>
-                  </a:txBody>
-                  <a:tcPr marL="41345" marR="41345" marT="0" marB="0"/>
-                </a:tc>
-                <a:extLst>
-                  <a:ext uri="{0D108BD9-81ED-4DB2-BD59-A6C34878D82A}">
-                    <a16:rowId xmlns:a16="http://schemas.microsoft.com/office/drawing/2014/main" val="10004"/>
-                  </a:ext>
-                </a:extLst>
-              </a:tr>
-              <a:tr h="277700">
-                <a:tc>
-                  <a:txBody>
-                    <a:bodyPr/>
-                    <a:lstStyle/>
-                    <a:p>
-                      <a:pPr>
-                        <a:lnSpc>
-                          <a:spcPct val="107000"/>
-                        </a:lnSpc>
-                        <a:spcAft>
-                          <a:spcPts val="0"/>
-                        </a:spcAft>
-                      </a:pPr>
-                      <a:r>
-                        <a:rPr lang="es-MX" sz="700" b="1">
-                          <a:effectLst/>
-                        </a:rPr>
-                        <a:t>Lunes 9 de abril de 2018</a:t>
-                      </a:r>
-                      <a:endParaRPr lang="es-MX" sz="700" b="1">
-                        <a:effectLst/>
-                        <a:latin typeface="Calibri"/>
-                        <a:ea typeface="Calibri"/>
-                        <a:cs typeface="Times New Roman"/>
-                      </a:endParaRPr>
-                    </a:p>
-                  </a:txBody>
-                  <a:tcPr marL="41345" marR="41345" marT="0" marB="0"/>
-                </a:tc>
-                <a:tc>
-                  <a:txBody>
-                    <a:bodyPr/>
-                    <a:lstStyle/>
-                    <a:p>
-                      <a:pPr>
-                        <a:lnSpc>
-                          <a:spcPct val="107000"/>
-                        </a:lnSpc>
-                        <a:spcAft>
-                          <a:spcPts val="0"/>
-                        </a:spcAft>
-                      </a:pPr>
-                      <a:r>
-                        <a:rPr lang="es-MX" sz="700" b="1">
-                          <a:effectLst/>
-                        </a:rPr>
-                        <a:t>Diseño de clases </a:t>
-                      </a:r>
-                      <a:endParaRPr lang="es-MX" sz="700" b="1">
-                        <a:effectLst/>
-                        <a:latin typeface="Calibri"/>
-                        <a:ea typeface="Calibri"/>
-                        <a:cs typeface="Times New Roman"/>
-                      </a:endParaRPr>
-                    </a:p>
-                  </a:txBody>
-                  <a:tcPr marL="41345" marR="41345" marT="0" marB="0"/>
-                </a:tc>
-                <a:tc>
-                  <a:txBody>
-                    <a:bodyPr/>
-                    <a:lstStyle/>
-                    <a:p>
-                      <a:pPr>
-                        <a:lnSpc>
-                          <a:spcPct val="107000"/>
-                        </a:lnSpc>
-                        <a:spcAft>
-                          <a:spcPts val="0"/>
-                        </a:spcAft>
-                      </a:pPr>
-                      <a:r>
-                        <a:rPr lang="es-MX" sz="700" b="1">
-                          <a:effectLst/>
-                        </a:rPr>
-                        <a:t>Biblioteca CCEI UADY</a:t>
-                      </a:r>
-                      <a:endParaRPr lang="es-MX" sz="700" b="1">
-                        <a:effectLst/>
-                        <a:latin typeface="Calibri"/>
-                        <a:ea typeface="Calibri"/>
-                        <a:cs typeface="Times New Roman"/>
-                      </a:endParaRPr>
-                    </a:p>
-                  </a:txBody>
-                  <a:tcPr marL="41345" marR="41345" marT="0" marB="0"/>
-                </a:tc>
-                <a:tc>
-                  <a:txBody>
-                    <a:bodyPr/>
-                    <a:lstStyle/>
-                    <a:p>
-                      <a:pPr>
-                        <a:lnSpc>
-                          <a:spcPct val="107000"/>
-                        </a:lnSpc>
-                        <a:spcAft>
-                          <a:spcPts val="0"/>
-                        </a:spcAft>
-                      </a:pPr>
-                      <a:r>
-                        <a:rPr lang="es-MX" sz="700" b="1" dirty="0">
-                          <a:effectLst/>
-                        </a:rPr>
-                        <a:t>Todos los integrantes</a:t>
-                      </a:r>
-                      <a:endParaRPr lang="es-MX" sz="700" b="1" dirty="0">
-                        <a:effectLst/>
-                        <a:latin typeface="Calibri"/>
-                        <a:ea typeface="Calibri"/>
-                        <a:cs typeface="Times New Roman"/>
-                      </a:endParaRPr>
-                    </a:p>
-                  </a:txBody>
-                  <a:tcPr marL="41345" marR="41345" marT="0" marB="0"/>
-                </a:tc>
-                <a:extLst>
-                  <a:ext uri="{0D108BD9-81ED-4DB2-BD59-A6C34878D82A}">
-                    <a16:rowId xmlns:a16="http://schemas.microsoft.com/office/drawing/2014/main" val="10005"/>
-                  </a:ext>
-                </a:extLst>
-              </a:tr>
-              <a:tr h="555398">
-                <a:tc>
-                  <a:txBody>
-                    <a:bodyPr/>
-                    <a:lstStyle/>
-                    <a:p>
-                      <a:pPr>
-                        <a:lnSpc>
-                          <a:spcPct val="107000"/>
-                        </a:lnSpc>
-                        <a:spcAft>
-                          <a:spcPts val="0"/>
-                        </a:spcAft>
-                      </a:pPr>
-                      <a:r>
-                        <a:rPr lang="es-MX" sz="700" b="1">
-                          <a:effectLst/>
-                        </a:rPr>
-                        <a:t>Viernes 13 de Abril del 2018</a:t>
-                      </a:r>
-                      <a:endParaRPr lang="es-MX" sz="700" b="1">
-                        <a:effectLst/>
-                        <a:latin typeface="Calibri"/>
-                        <a:ea typeface="Calibri"/>
-                        <a:cs typeface="Times New Roman"/>
-                      </a:endParaRPr>
-                    </a:p>
-                  </a:txBody>
-                  <a:tcPr marL="41345" marR="41345" marT="0" marB="0"/>
-                </a:tc>
-                <a:tc>
-                  <a:txBody>
-                    <a:bodyPr/>
-                    <a:lstStyle/>
-                    <a:p>
-                      <a:pPr>
-                        <a:lnSpc>
-                          <a:spcPct val="107000"/>
-                        </a:lnSpc>
-                        <a:spcAft>
-                          <a:spcPts val="0"/>
-                        </a:spcAft>
-                      </a:pPr>
-                      <a:r>
-                        <a:rPr lang="es-MX" sz="700" b="1">
-                          <a:effectLst/>
-                        </a:rPr>
-                        <a:t>Actualización del documento escenarios de caso de uso</a:t>
-                      </a:r>
-                      <a:endParaRPr lang="es-MX" sz="700" b="1">
-                        <a:effectLst/>
-                        <a:latin typeface="Calibri"/>
-                        <a:ea typeface="Calibri"/>
-                        <a:cs typeface="Times New Roman"/>
-                      </a:endParaRPr>
-                    </a:p>
-                  </a:txBody>
-                  <a:tcPr marL="41345" marR="41345" marT="0" marB="0"/>
-                </a:tc>
-                <a:tc>
-                  <a:txBody>
-                    <a:bodyPr/>
-                    <a:lstStyle/>
-                    <a:p>
-                      <a:pPr>
-                        <a:lnSpc>
-                          <a:spcPct val="107000"/>
-                        </a:lnSpc>
-                        <a:spcAft>
-                          <a:spcPts val="0"/>
-                        </a:spcAft>
-                      </a:pPr>
-                      <a:r>
-                        <a:rPr lang="es-MX" sz="700" b="1">
-                          <a:effectLst/>
-                        </a:rPr>
-                        <a:t>Cafeteria FMAT</a:t>
-                      </a:r>
-                      <a:endParaRPr lang="es-MX" sz="700" b="1">
-                        <a:effectLst/>
-                        <a:latin typeface="Calibri"/>
-                        <a:ea typeface="Calibri"/>
-                        <a:cs typeface="Times New Roman"/>
-                      </a:endParaRPr>
-                    </a:p>
-                  </a:txBody>
-                  <a:tcPr marL="41345" marR="41345" marT="0" marB="0"/>
-                </a:tc>
-                <a:tc>
-                  <a:txBody>
-                    <a:bodyPr/>
-                    <a:lstStyle/>
-                    <a:p>
-                      <a:pPr>
-                        <a:lnSpc>
-                          <a:spcPct val="107000"/>
-                        </a:lnSpc>
-                        <a:spcAft>
-                          <a:spcPts val="0"/>
-                        </a:spcAft>
-                      </a:pPr>
-                      <a:r>
-                        <a:rPr lang="es-MX" sz="700" b="1" dirty="0">
-                          <a:effectLst/>
-                        </a:rPr>
-                        <a:t>Todos los integrantes</a:t>
-                      </a:r>
-                      <a:endParaRPr lang="es-MX" sz="700" b="1" dirty="0">
-                        <a:effectLst/>
-                        <a:latin typeface="Calibri"/>
-                        <a:ea typeface="Calibri"/>
-                        <a:cs typeface="Times New Roman"/>
-                      </a:endParaRPr>
-                    </a:p>
-                  </a:txBody>
-                  <a:tcPr marL="41345" marR="41345" marT="0" marB="0"/>
-                </a:tc>
-                <a:extLst>
-                  <a:ext uri="{0D108BD9-81ED-4DB2-BD59-A6C34878D82A}">
-                    <a16:rowId xmlns:a16="http://schemas.microsoft.com/office/drawing/2014/main" val="10006"/>
-                  </a:ext>
-                </a:extLst>
-              </a:tr>
-              <a:tr h="277700">
-                <a:tc>
-                  <a:txBody>
-                    <a:bodyPr/>
-                    <a:lstStyle/>
-                    <a:p>
-                      <a:pPr>
-                        <a:lnSpc>
-                          <a:spcPct val="107000"/>
-                        </a:lnSpc>
-                        <a:spcAft>
-                          <a:spcPts val="0"/>
-                        </a:spcAft>
-                      </a:pPr>
-                      <a:r>
-                        <a:rPr lang="es-MX" sz="700" b="1">
-                          <a:effectLst/>
-                        </a:rPr>
-                        <a:t>Sábado 14 de Abril del 2018</a:t>
-                      </a:r>
-                      <a:endParaRPr lang="es-MX" sz="700" b="1">
-                        <a:effectLst/>
-                        <a:latin typeface="Calibri"/>
-                        <a:ea typeface="Calibri"/>
-                        <a:cs typeface="Times New Roman"/>
-                      </a:endParaRPr>
-                    </a:p>
-                  </a:txBody>
-                  <a:tcPr marL="41345" marR="41345" marT="0" marB="0"/>
-                </a:tc>
-                <a:tc>
-                  <a:txBody>
-                    <a:bodyPr/>
-                    <a:lstStyle/>
-                    <a:p>
-                      <a:pPr>
-                        <a:lnSpc>
-                          <a:spcPct val="107000"/>
-                        </a:lnSpc>
-                        <a:spcAft>
-                          <a:spcPts val="0"/>
-                        </a:spcAft>
-                      </a:pPr>
-                      <a:r>
-                        <a:rPr lang="es-MX" sz="700" b="1">
-                          <a:effectLst/>
-                        </a:rPr>
-                        <a:t>Documento de flujos alternos </a:t>
-                      </a:r>
-                      <a:endParaRPr lang="es-MX" sz="700" b="1">
-                        <a:effectLst/>
-                        <a:latin typeface="Calibri"/>
-                        <a:ea typeface="Calibri"/>
-                        <a:cs typeface="Times New Roman"/>
-                      </a:endParaRPr>
-                    </a:p>
-                  </a:txBody>
-                  <a:tcPr marL="41345" marR="41345" marT="0" marB="0"/>
-                </a:tc>
-                <a:tc>
-                  <a:txBody>
-                    <a:bodyPr/>
-                    <a:lstStyle/>
-                    <a:p>
-                      <a:pPr>
-                        <a:lnSpc>
-                          <a:spcPct val="107000"/>
-                        </a:lnSpc>
-                        <a:spcAft>
-                          <a:spcPts val="0"/>
-                        </a:spcAft>
-                      </a:pPr>
-                      <a:r>
-                        <a:rPr lang="es-MX" sz="700" b="1">
-                          <a:effectLst/>
-                        </a:rPr>
-                        <a:t>Casa de Jessica </a:t>
-                      </a:r>
-                      <a:endParaRPr lang="es-MX" sz="700" b="1">
-                        <a:effectLst/>
-                        <a:latin typeface="Calibri"/>
-                        <a:ea typeface="Calibri"/>
-                        <a:cs typeface="Times New Roman"/>
-                      </a:endParaRPr>
-                    </a:p>
-                  </a:txBody>
-                  <a:tcPr marL="41345" marR="41345" marT="0" marB="0"/>
-                </a:tc>
-                <a:tc>
-                  <a:txBody>
-                    <a:bodyPr/>
-                    <a:lstStyle/>
-                    <a:p>
-                      <a:pPr>
-                        <a:lnSpc>
-                          <a:spcPct val="107000"/>
-                        </a:lnSpc>
-                        <a:spcAft>
-                          <a:spcPts val="0"/>
-                        </a:spcAft>
-                      </a:pPr>
-                      <a:r>
-                        <a:rPr lang="es-MX" sz="700" b="1" dirty="0">
-                          <a:effectLst/>
-                        </a:rPr>
-                        <a:t>Jessica</a:t>
-                      </a:r>
-                      <a:endParaRPr lang="es-MX" sz="700" b="1" dirty="0">
-                        <a:effectLst/>
-                        <a:latin typeface="Calibri"/>
-                        <a:ea typeface="Calibri"/>
-                        <a:cs typeface="Times New Roman"/>
-                      </a:endParaRPr>
-                    </a:p>
-                  </a:txBody>
-                  <a:tcPr marL="41345" marR="41345" marT="0" marB="0"/>
-                </a:tc>
-                <a:extLst>
-                  <a:ext uri="{0D108BD9-81ED-4DB2-BD59-A6C34878D82A}">
-                    <a16:rowId xmlns:a16="http://schemas.microsoft.com/office/drawing/2014/main" val="10007"/>
-                  </a:ext>
-                </a:extLst>
-              </a:tr>
-              <a:tr h="694247">
-                <a:tc>
-                  <a:txBody>
-                    <a:bodyPr/>
-                    <a:lstStyle/>
-                    <a:p>
-                      <a:pPr>
-                        <a:lnSpc>
-                          <a:spcPct val="107000"/>
-                        </a:lnSpc>
-                        <a:spcAft>
-                          <a:spcPts val="0"/>
-                        </a:spcAft>
-                      </a:pPr>
-                      <a:r>
-                        <a:rPr lang="es-MX" sz="700" b="1">
-                          <a:effectLst/>
-                        </a:rPr>
-                        <a:t>Lunes 16 de Abril del 2018 </a:t>
-                      </a:r>
-                      <a:endParaRPr lang="es-MX" sz="700" b="1">
-                        <a:effectLst/>
-                        <a:latin typeface="Calibri"/>
-                        <a:ea typeface="Calibri"/>
-                        <a:cs typeface="Times New Roman"/>
-                      </a:endParaRPr>
-                    </a:p>
-                  </a:txBody>
-                  <a:tcPr marL="41345" marR="41345" marT="0" marB="0"/>
-                </a:tc>
-                <a:tc>
-                  <a:txBody>
-                    <a:bodyPr/>
-                    <a:lstStyle/>
-                    <a:p>
-                      <a:pPr>
-                        <a:lnSpc>
-                          <a:spcPct val="107000"/>
-                        </a:lnSpc>
-                        <a:spcAft>
-                          <a:spcPts val="0"/>
-                        </a:spcAft>
-                      </a:pPr>
-                      <a:r>
-                        <a:rPr lang="es-MX" sz="700" b="1">
-                          <a:effectLst/>
-                        </a:rPr>
-                        <a:t>Actualización del documento de requerimientos funcionales y no funcionales </a:t>
-                      </a:r>
-                      <a:endParaRPr lang="es-MX" sz="700" b="1">
-                        <a:effectLst/>
-                        <a:latin typeface="Calibri"/>
-                        <a:ea typeface="Calibri"/>
-                        <a:cs typeface="Times New Roman"/>
-                      </a:endParaRPr>
-                    </a:p>
-                  </a:txBody>
-                  <a:tcPr marL="41345" marR="41345" marT="0" marB="0"/>
-                </a:tc>
-                <a:tc>
-                  <a:txBody>
-                    <a:bodyPr/>
-                    <a:lstStyle/>
-                    <a:p>
-                      <a:pPr>
-                        <a:lnSpc>
-                          <a:spcPct val="107000"/>
-                        </a:lnSpc>
-                        <a:spcAft>
-                          <a:spcPts val="0"/>
-                        </a:spcAft>
-                      </a:pPr>
-                      <a:r>
-                        <a:rPr lang="es-MX" sz="700" b="1">
-                          <a:effectLst/>
-                        </a:rPr>
-                        <a:t>Casa de Karina </a:t>
-                      </a:r>
-                      <a:endParaRPr lang="es-MX" sz="700" b="1">
-                        <a:effectLst/>
-                        <a:latin typeface="Calibri"/>
-                        <a:ea typeface="Calibri"/>
-                        <a:cs typeface="Times New Roman"/>
-                      </a:endParaRPr>
-                    </a:p>
-                  </a:txBody>
-                  <a:tcPr marL="41345" marR="41345" marT="0" marB="0"/>
-                </a:tc>
-                <a:tc>
-                  <a:txBody>
-                    <a:bodyPr/>
-                    <a:lstStyle/>
-                    <a:p>
-                      <a:pPr>
-                        <a:lnSpc>
-                          <a:spcPct val="107000"/>
-                        </a:lnSpc>
-                        <a:spcAft>
-                          <a:spcPts val="0"/>
-                        </a:spcAft>
-                      </a:pPr>
-                      <a:r>
-                        <a:rPr lang="es-MX" sz="700" b="1" dirty="0">
-                          <a:effectLst/>
-                        </a:rPr>
-                        <a:t>Karina</a:t>
-                      </a:r>
-                      <a:endParaRPr lang="es-MX" sz="700" b="1" dirty="0">
-                        <a:effectLst/>
-                        <a:latin typeface="Calibri"/>
-                        <a:ea typeface="Calibri"/>
-                        <a:cs typeface="Times New Roman"/>
-                      </a:endParaRPr>
-                    </a:p>
-                  </a:txBody>
-                  <a:tcPr marL="41345" marR="41345" marT="0" marB="0"/>
-                </a:tc>
-                <a:extLst>
-                  <a:ext uri="{0D108BD9-81ED-4DB2-BD59-A6C34878D82A}">
-                    <a16:rowId xmlns:a16="http://schemas.microsoft.com/office/drawing/2014/main" val="10008"/>
-                  </a:ext>
-                </a:extLst>
-              </a:tr>
-              <a:tr h="138849">
-                <a:tc>
-                  <a:txBody>
-                    <a:bodyPr/>
-                    <a:lstStyle/>
-                    <a:p>
-                      <a:pPr>
-                        <a:lnSpc>
-                          <a:spcPct val="107000"/>
-                        </a:lnSpc>
-                        <a:spcAft>
-                          <a:spcPts val="0"/>
-                        </a:spcAft>
-                      </a:pPr>
-                      <a:r>
-                        <a:rPr lang="es-MX" sz="700">
-                          <a:effectLst/>
-                        </a:rPr>
-                        <a:t> </a:t>
-                      </a:r>
-                      <a:endParaRPr lang="es-MX" sz="700">
-                        <a:effectLst/>
-                        <a:latin typeface="Calibri"/>
-                        <a:ea typeface="Calibri"/>
-                        <a:cs typeface="Times New Roman"/>
-                      </a:endParaRPr>
-                    </a:p>
-                  </a:txBody>
-                  <a:tcPr marL="41345" marR="41345" marT="0" marB="0"/>
-                </a:tc>
-                <a:tc>
-                  <a:txBody>
-                    <a:bodyPr/>
-                    <a:lstStyle/>
-                    <a:p>
-                      <a:pPr>
-                        <a:lnSpc>
-                          <a:spcPct val="107000"/>
-                        </a:lnSpc>
-                        <a:spcAft>
-                          <a:spcPts val="0"/>
-                        </a:spcAft>
-                      </a:pPr>
-                      <a:r>
-                        <a:rPr lang="es-MX" sz="700">
-                          <a:effectLst/>
-                        </a:rPr>
-                        <a:t> </a:t>
-                      </a:r>
-                      <a:endParaRPr lang="es-MX" sz="700">
-                        <a:effectLst/>
-                        <a:latin typeface="Calibri"/>
-                        <a:ea typeface="Calibri"/>
-                        <a:cs typeface="Times New Roman"/>
-                      </a:endParaRPr>
-                    </a:p>
-                  </a:txBody>
-                  <a:tcPr marL="41345" marR="41345" marT="0" marB="0"/>
-                </a:tc>
-                <a:tc>
-                  <a:txBody>
-                    <a:bodyPr/>
-                    <a:lstStyle/>
-                    <a:p>
-                      <a:pPr>
-                        <a:lnSpc>
-                          <a:spcPct val="107000"/>
-                        </a:lnSpc>
-                        <a:spcAft>
-                          <a:spcPts val="0"/>
-                        </a:spcAft>
-                      </a:pPr>
-                      <a:r>
-                        <a:rPr lang="es-MX" sz="700">
-                          <a:effectLst/>
-                        </a:rPr>
-                        <a:t> </a:t>
-                      </a:r>
-                      <a:endParaRPr lang="es-MX" sz="700">
-                        <a:effectLst/>
-                        <a:latin typeface="Calibri"/>
-                        <a:ea typeface="Calibri"/>
-                        <a:cs typeface="Times New Roman"/>
-                      </a:endParaRPr>
-                    </a:p>
-                  </a:txBody>
-                  <a:tcPr marL="41345" marR="41345" marT="0" marB="0"/>
-                </a:tc>
-                <a:tc>
-                  <a:txBody>
-                    <a:bodyPr/>
-                    <a:lstStyle/>
-                    <a:p>
-                      <a:pPr>
-                        <a:lnSpc>
-                          <a:spcPct val="107000"/>
-                        </a:lnSpc>
-                        <a:spcAft>
-                          <a:spcPts val="0"/>
-                        </a:spcAft>
-                      </a:pPr>
-                      <a:r>
-                        <a:rPr lang="es-MX" sz="700" dirty="0">
-                          <a:effectLst/>
-                        </a:rPr>
-                        <a:t> </a:t>
-                      </a:r>
-                      <a:endParaRPr lang="es-MX" sz="700" dirty="0">
-                        <a:effectLst/>
-                        <a:latin typeface="Calibri"/>
-                        <a:ea typeface="Calibri"/>
-                        <a:cs typeface="Times New Roman"/>
-                      </a:endParaRPr>
-                    </a:p>
-                  </a:txBody>
-                  <a:tcPr marL="41345" marR="41345" marT="0" marB="0"/>
-                </a:tc>
-                <a:extLst>
-                  <a:ext uri="{0D108BD9-81ED-4DB2-BD59-A6C34878D82A}">
-                    <a16:rowId xmlns:a16="http://schemas.microsoft.com/office/drawing/2014/main" val="10009"/>
-                  </a:ext>
-                </a:extLst>
-              </a:tr>
-            </a:tbl>
-          </a:graphicData>
-        </a:graphic>
-      </p:graphicFrame>
-      <p:sp>
-        <p:nvSpPr>
-          <p:cNvPr id="4" name="Rectangle 1"/>
-          <p:cNvSpPr>
-            <a:spLocks noChangeArrowheads="1"/>
-          </p:cNvSpPr>
-          <p:nvPr/>
-        </p:nvSpPr>
-        <p:spPr bwMode="auto">
-          <a:xfrm>
-            <a:off x="3217863" y="1546225"/>
-            <a:ext cx="9144000" cy="457200"/>
-          </a:xfrm>
-          <a:prstGeom prst="rect">
-            <a:avLst/>
-          </a:prstGeom>
-          <a:noFill/>
-          <a:ln>
-            <a:noFill/>
-          </a:ln>
-          <a:effectLst/>
-          <a:extLst>
-            <a:ext uri="{909E8E84-426E-40DD-AFC4-6F175D3DCCD1}">
-              <a14:hiddenFill xmlns:a14="http://schemas.microsoft.com/office/drawing/2010/main">
-                <a:solidFill>
-                  <a:schemeClr val="accent1"/>
-                </a:solidFill>
-              </a14:hiddenFill>
-            </a:ext>
-            <a:ext uri="{91240B29-F687-4F45-9708-019B960494DF}">
-              <a14:hiddenLine xmlns:a14="http://schemas.microsoft.com/office/drawing/2010/main" w="9525">
-                <a:solidFill>
-                  <a:schemeClr val="tx1"/>
-                </a:solidFill>
-                <a:miter lim="800000"/>
-                <a:headEnd/>
-                <a:tailEnd/>
-              </a14:hiddenLine>
-            </a:ext>
-            <a:ext uri="{AF507438-7753-43E0-B8FC-AC1667EBCBE1}">
-              <a14:hiddenEffects xmlns:a14="http://schemas.microsoft.com/office/drawing/2010/main">
-                <a:effectLst>
-                  <a:outerShdw dist="35921" dir="2700000" algn="ctr" rotWithShape="0">
-                    <a:schemeClr val="bg2"/>
-                  </a:outerShdw>
-                </a:effectLst>
-              </a14:hiddenEffects>
-            </a:ext>
-          </a:extLst>
-        </p:spPr>
-        <p:txBody>
-          <a:bodyPr vert="horz" wrap="none" lIns="91440" tIns="45720" rIns="91440" bIns="45720" numCol="1" anchor="ctr" anchorCtr="0" compatLnSpc="1">
-            <a:prstTxWarp prst="textNoShape">
-              <a:avLst/>
-            </a:prstTxWarp>
-            <a:spAutoFit/>
-          </a:bodyPr>
-          <a:lstStyle/>
-          <a:p>
-            <a:pPr marL="0" marR="0" lvl="0" indent="0" algn="l" defTabSz="914400" rtl="0" eaLnBrk="1" fontAlgn="base" latinLnBrk="0" hangingPunct="1">
-              <a:lnSpc>
-                <a:spcPct val="100000"/>
-              </a:lnSpc>
-              <a:spcBef>
-                <a:spcPct val="0"/>
-              </a:spcBef>
-              <a:spcAft>
-                <a:spcPct val="0"/>
-              </a:spcAft>
-              <a:buClrTx/>
-              <a:buSzTx/>
-              <a:buFontTx/>
-              <a:buNone/>
-              <a:tabLst/>
-            </a:pPr>
-            <a:endParaRPr kumimoji="0" lang="es-MX" altLang="es-MX" sz="1800" b="0" i="0" u="none" strike="noStrike" cap="none" normalizeH="0" baseline="0">
-              <a:ln>
-                <a:noFill/>
-              </a:ln>
-              <a:solidFill>
-                <a:schemeClr val="tx1"/>
-              </a:solidFill>
-              <a:effectLst/>
-              <a:latin typeface="Arial" pitchFamily="34" charset="0"/>
-              <a:cs typeface="Arial" pitchFamily="34" charset="0"/>
-            </a:endParaRPr>
-          </a:p>
-        </p:txBody>
-      </p:sp>
-      <p:pic>
-        <p:nvPicPr>
-          <p:cNvPr id="5" name="Imagen 4">
-            <a:extLst>
-              <a:ext uri="{FF2B5EF4-FFF2-40B4-BE49-F238E27FC236}">
-                <a16:creationId xmlns:a16="http://schemas.microsoft.com/office/drawing/2014/main" id="{9908A073-7D6F-4C9E-9065-33994CBAD224}"/>
-              </a:ext>
-            </a:extLst>
-          </p:cNvPr>
-          <p:cNvPicPr>
-            <a:picLocks noChangeAspect="1"/>
-          </p:cNvPicPr>
-          <p:nvPr/>
-        </p:nvPicPr>
-        <p:blipFill rotWithShape="1">
-          <a:blip r:embed="rId2"/>
-          <a:srcRect l="-1" t="21598" r="398"/>
-          <a:stretch/>
-        </p:blipFill>
-        <p:spPr>
-          <a:xfrm>
-            <a:off x="1034049" y="626302"/>
-            <a:ext cx="7001752" cy="4032568"/>
-          </a:xfrm>
-          <a:prstGeom prst="rect">
-            <a:avLst/>
-          </a:prstGeom>
-        </p:spPr>
-      </p:pic>
-      <p:sp>
-        <p:nvSpPr>
           <p:cNvPr id="6" name="CuadroTexto 5">
             <a:extLst>
               <a:ext uri="{FF2B5EF4-FFF2-40B4-BE49-F238E27FC236}">
@@ -8383,9 +6943,9 @@
           <p:nvPr/>
         </p:nvSpPr>
         <p:spPr>
-          <a:xfrm>
-            <a:off x="2446875" y="103082"/>
-            <a:ext cx="4981051" cy="523220"/>
+          <a:xfrm rot="159191">
+            <a:off x="5421427" y="180656"/>
+            <a:ext cx="3160711" cy="523220"/>
           </a:xfrm>
           <a:prstGeom prst="rect">
             <a:avLst/>
@@ -8399,12 +6959,55 @@
           <a:lstStyle/>
           <a:p>
             <a:r>
-              <a:rPr lang="es-MX" sz="2800" b="1" dirty="0"/>
-              <a:t>Bitácora de actividades</a:t>
+              <a:rPr lang="es-MX" sz="2800" b="1" dirty="0">
+                <a:solidFill>
+                  <a:schemeClr val="bg1"/>
+                </a:solidFill>
+              </a:rPr>
+              <a:t>Minuta de trabajo</a:t>
             </a:r>
           </a:p>
         </p:txBody>
       </p:sp>
+      <p:pic>
+        <p:nvPicPr>
+          <p:cNvPr id="7" name="Imagen 6">
+            <a:extLst>
+              <a:ext uri="{FF2B5EF4-FFF2-40B4-BE49-F238E27FC236}">
+                <a16:creationId xmlns:a16="http://schemas.microsoft.com/office/drawing/2014/main" id="{3CFEB08C-367D-426C-AA0C-9D2F3D46C938}"/>
+              </a:ext>
+            </a:extLst>
+          </p:cNvPr>
+          <p:cNvPicPr>
+            <a:picLocks noChangeAspect="1"/>
+          </p:cNvPicPr>
+          <p:nvPr/>
+        </p:nvPicPr>
+        <p:blipFill>
+          <a:blip r:embed="rId2"/>
+          <a:stretch>
+            <a:fillRect/>
+          </a:stretch>
+        </p:blipFill>
+        <p:spPr>
+          <a:xfrm>
+            <a:off x="228600" y="1181100"/>
+            <a:ext cx="8686800" cy="2781300"/>
+          </a:xfrm>
+          <a:prstGeom prst="roundRect">
+            <a:avLst>
+              <a:gd name="adj" fmla="val 4388"/>
+            </a:avLst>
+          </a:prstGeom>
+          <a:effectLst>
+            <a:outerShdw blurRad="50800" dist="38100" dir="5400000" algn="t" rotWithShape="0">
+              <a:prstClr val="black">
+                <a:alpha val="40000"/>
+              </a:prstClr>
+            </a:outerShdw>
+          </a:effectLst>
+        </p:spPr>
+      </p:pic>
     </p:spTree>
     <p:extLst>
       <p:ext uri="{BB962C8B-B14F-4D97-AF65-F5344CB8AC3E}">
@@ -8544,9 +7147,9 @@
           </p:nvPr>
         </p:nvSpPr>
         <p:spPr>
-          <a:xfrm>
-            <a:off x="948334" y="768828"/>
-            <a:ext cx="2463987" cy="2055223"/>
+          <a:xfrm rot="164035">
+            <a:off x="5321148" y="196926"/>
+            <a:ext cx="3470313" cy="629338"/>
           </a:xfrm>
         </p:spPr>
         <p:txBody>
@@ -8554,7 +7157,11 @@
           <a:lstStyle/>
           <a:p>
             <a:r>
-              <a:rPr lang="es-MX" dirty="0"/>
+              <a:rPr lang="es-MX" b="1" dirty="0">
+                <a:solidFill>
+                  <a:schemeClr val="bg1"/>
+                </a:solidFill>
+              </a:rPr>
               <a:t>Diagrama de clases</a:t>
             </a:r>
           </a:p>
@@ -8562,31 +7169,45 @@
       </p:sp>
       <p:pic>
         <p:nvPicPr>
-          <p:cNvPr id="3" name="Imagen 2">
+          <p:cNvPr id="4" name="Imagen 3">
             <a:extLst>
               <a:ext uri="{FF2B5EF4-FFF2-40B4-BE49-F238E27FC236}">
-                <a16:creationId xmlns:a16="http://schemas.microsoft.com/office/drawing/2014/main" id="{57F91DAE-DFB9-4FC9-9BA6-C5134E6FC247}"/>
+                <a16:creationId xmlns:a16="http://schemas.microsoft.com/office/drawing/2014/main" id="{F141FB8B-CF89-439A-BABC-82FAC74E3710}"/>
               </a:ext>
             </a:extLst>
           </p:cNvPr>
-          <p:cNvPicPr>
-            <a:picLocks noChangeAspect="1"/>
-          </p:cNvPicPr>
+          <p:cNvPicPr/>
           <p:nvPr/>
         </p:nvPicPr>
-        <p:blipFill rotWithShape="1">
-          <a:blip r:embed="rId2"/>
-          <a:srcRect l="35807" t="26559" r="30860" b="21420"/>
-          <a:stretch/>
+        <p:blipFill>
+          <a:blip r:embed="rId2">
+            <a:extLst>
+              <a:ext uri="{28A0092B-C50C-407E-A947-70E740481C1C}">
+                <a14:useLocalDpi xmlns:a14="http://schemas.microsoft.com/office/drawing/2010/main" val="0"/>
+              </a:ext>
+            </a:extLst>
+          </a:blip>
+          <a:stretch>
+            <a:fillRect/>
+          </a:stretch>
         </p:blipFill>
         <p:spPr>
           <a:xfrm>
-            <a:off x="3805083" y="875070"/>
-            <a:ext cx="3991897" cy="3502569"/>
+            <a:off x="253388" y="1050967"/>
+            <a:ext cx="8637224" cy="3173770"/>
           </a:xfrm>
-          <a:prstGeom prst="rect">
-            <a:avLst/>
+          <a:prstGeom prst="roundRect">
+            <a:avLst>
+              <a:gd name="adj" fmla="val 4884"/>
+            </a:avLst>
           </a:prstGeom>
+          <a:effectLst>
+            <a:outerShdw blurRad="50800" dist="38100" dir="5400000" algn="t" rotWithShape="0">
+              <a:prstClr val="black">
+                <a:alpha val="40000"/>
+              </a:prstClr>
+            </a:outerShdw>
+          </a:effectLst>
         </p:spPr>
       </p:pic>
     </p:spTree>
@@ -8619,25 +7240,6 @@
           <a:chExt cx="0" cy="0"/>
         </a:xfrm>
       </p:grpSpPr>
-      <p:sp>
-        <p:nvSpPr>
-          <p:cNvPr id="2" name="1 Título"/>
-          <p:cNvSpPr>
-            <a:spLocks noGrp="1"/>
-          </p:cNvSpPr>
-          <p:nvPr>
-            <p:ph type="title"/>
-          </p:nvPr>
-        </p:nvSpPr>
-        <p:spPr/>
-        <p:txBody>
-          <a:bodyPr/>
-          <a:lstStyle/>
-          <a:p>
-            <a:endParaRPr lang="es-MX" dirty="0"/>
-          </a:p>
-        </p:txBody>
-      </p:sp>
       <p:sp>
         <p:nvSpPr>
           <p:cNvPr id="3" name="2 Marcador de texto"/>
